--- a/BH01702_TranVanThanh_SE07102.pptx
+++ b/BH01702_TranVanThanh_SE07102.pptx
@@ -9,17 +9,20 @@
     <p:sldId id="257" r:id="rId3"/>
     <p:sldId id="258" r:id="rId4"/>
     <p:sldId id="259" r:id="rId5"/>
-    <p:sldId id="260" r:id="rId6"/>
+    <p:sldId id="274" r:id="rId6"/>
     <p:sldId id="261" r:id="rId7"/>
     <p:sldId id="262" r:id="rId8"/>
     <p:sldId id="263" r:id="rId9"/>
     <p:sldId id="264" r:id="rId10"/>
     <p:sldId id="265" r:id="rId11"/>
-    <p:sldId id="266" r:id="rId12"/>
-    <p:sldId id="273" r:id="rId13"/>
-    <p:sldId id="267" r:id="rId14"/>
-    <p:sldId id="268" r:id="rId15"/>
-    <p:sldId id="269" r:id="rId16"/>
+    <p:sldId id="277" r:id="rId12"/>
+    <p:sldId id="266" r:id="rId13"/>
+    <p:sldId id="273" r:id="rId14"/>
+    <p:sldId id="276" r:id="rId15"/>
+    <p:sldId id="267" r:id="rId16"/>
+    <p:sldId id="275" r:id="rId17"/>
+    <p:sldId id="268" r:id="rId18"/>
+    <p:sldId id="269" r:id="rId19"/>
   </p:sldIdLst>
   <p:sldSz cx="12192000" cy="6858000"/>
   <p:notesSz cx="6858000" cy="9144000"/>
@@ -4402,7 +4405,7 @@
           <a:p>
             <a:fld id="{6D026B78-2648-4B9F-83F5-DFFF490A7A0F}" type="datetimeFigureOut">
               <a:rPr lang="vi-VN" smtClean="0"/>
-              <a:t>27/10/2024</a:t>
+              <a:t>30/10/2024</a:t>
             </a:fld>
             <a:endParaRPr lang="vi-VN"/>
           </a:p>
@@ -4669,7 +4672,7 @@
           <a:p>
             <a:fld id="{6D026B78-2648-4B9F-83F5-DFFF490A7A0F}" type="datetimeFigureOut">
               <a:rPr lang="vi-VN" smtClean="0"/>
-              <a:t>27/10/2024</a:t>
+              <a:t>30/10/2024</a:t>
             </a:fld>
             <a:endParaRPr lang="vi-VN"/>
           </a:p>
@@ -4865,7 +4868,7 @@
           <a:p>
             <a:fld id="{6D026B78-2648-4B9F-83F5-DFFF490A7A0F}" type="datetimeFigureOut">
               <a:rPr lang="vi-VN" smtClean="0"/>
-              <a:t>27/10/2024</a:t>
+              <a:t>30/10/2024</a:t>
             </a:fld>
             <a:endParaRPr lang="vi-VN"/>
           </a:p>
@@ -5128,7 +5131,7 @@
           <a:p>
             <a:fld id="{6D026B78-2648-4B9F-83F5-DFFF490A7A0F}" type="datetimeFigureOut">
               <a:rPr lang="vi-VN" smtClean="0"/>
-              <a:t>27/10/2024</a:t>
+              <a:t>30/10/2024</a:t>
             </a:fld>
             <a:endParaRPr lang="vi-VN"/>
           </a:p>
@@ -5562,7 +5565,7 @@
           <a:p>
             <a:fld id="{6D026B78-2648-4B9F-83F5-DFFF490A7A0F}" type="datetimeFigureOut">
               <a:rPr lang="vi-VN" smtClean="0"/>
-              <a:t>27/10/2024</a:t>
+              <a:t>30/10/2024</a:t>
             </a:fld>
             <a:endParaRPr lang="vi-VN"/>
           </a:p>
@@ -6108,7 +6111,7 @@
           <a:p>
             <a:fld id="{6D026B78-2648-4B9F-83F5-DFFF490A7A0F}" type="datetimeFigureOut">
               <a:rPr lang="vi-VN" smtClean="0"/>
-              <a:t>27/10/2024</a:t>
+              <a:t>30/10/2024</a:t>
             </a:fld>
             <a:endParaRPr lang="vi-VN"/>
           </a:p>
@@ -6828,7 +6831,7 @@
           <a:p>
             <a:fld id="{6D026B78-2648-4B9F-83F5-DFFF490A7A0F}" type="datetimeFigureOut">
               <a:rPr lang="vi-VN" smtClean="0"/>
-              <a:t>27/10/2024</a:t>
+              <a:t>30/10/2024</a:t>
             </a:fld>
             <a:endParaRPr lang="vi-VN"/>
           </a:p>
@@ -6998,7 +7001,7 @@
           <a:p>
             <a:fld id="{6D026B78-2648-4B9F-83F5-DFFF490A7A0F}" type="datetimeFigureOut">
               <a:rPr lang="vi-VN" smtClean="0"/>
-              <a:t>27/10/2024</a:t>
+              <a:t>30/10/2024</a:t>
             </a:fld>
             <a:endParaRPr lang="vi-VN"/>
           </a:p>
@@ -7178,7 +7181,7 @@
           <a:p>
             <a:fld id="{6D026B78-2648-4B9F-83F5-DFFF490A7A0F}" type="datetimeFigureOut">
               <a:rPr lang="vi-VN" smtClean="0"/>
-              <a:t>27/10/2024</a:t>
+              <a:t>30/10/2024</a:t>
             </a:fld>
             <a:endParaRPr lang="vi-VN"/>
           </a:p>
@@ -7348,7 +7351,7 @@
           <a:p>
             <a:fld id="{6D026B78-2648-4B9F-83F5-DFFF490A7A0F}" type="datetimeFigureOut">
               <a:rPr lang="vi-VN" smtClean="0"/>
-              <a:t>27/10/2024</a:t>
+              <a:t>30/10/2024</a:t>
             </a:fld>
             <a:endParaRPr lang="vi-VN"/>
           </a:p>
@@ -7598,7 +7601,7 @@
           <a:p>
             <a:fld id="{6D026B78-2648-4B9F-83F5-DFFF490A7A0F}" type="datetimeFigureOut">
               <a:rPr lang="vi-VN" smtClean="0"/>
-              <a:t>27/10/2024</a:t>
+              <a:t>30/10/2024</a:t>
             </a:fld>
             <a:endParaRPr lang="vi-VN"/>
           </a:p>
@@ -7830,7 +7833,7 @@
           <a:p>
             <a:fld id="{6D026B78-2648-4B9F-83F5-DFFF490A7A0F}" type="datetimeFigureOut">
               <a:rPr lang="vi-VN" smtClean="0"/>
-              <a:t>27/10/2024</a:t>
+              <a:t>30/10/2024</a:t>
             </a:fld>
             <a:endParaRPr lang="vi-VN"/>
           </a:p>
@@ -8211,7 +8214,7 @@
           <a:p>
             <a:fld id="{6D026B78-2648-4B9F-83F5-DFFF490A7A0F}" type="datetimeFigureOut">
               <a:rPr lang="vi-VN" smtClean="0"/>
-              <a:t>27/10/2024</a:t>
+              <a:t>30/10/2024</a:t>
             </a:fld>
             <a:endParaRPr lang="vi-VN"/>
           </a:p>
@@ -8329,7 +8332,7 @@
           <a:p>
             <a:fld id="{6D026B78-2648-4B9F-83F5-DFFF490A7A0F}" type="datetimeFigureOut">
               <a:rPr lang="vi-VN" smtClean="0"/>
-              <a:t>27/10/2024</a:t>
+              <a:t>30/10/2024</a:t>
             </a:fld>
             <a:endParaRPr lang="vi-VN"/>
           </a:p>
@@ -8424,7 +8427,7 @@
           <a:p>
             <a:fld id="{6D026B78-2648-4B9F-83F5-DFFF490A7A0F}" type="datetimeFigureOut">
               <a:rPr lang="vi-VN" smtClean="0"/>
-              <a:t>27/10/2024</a:t>
+              <a:t>30/10/2024</a:t>
             </a:fld>
             <a:endParaRPr lang="vi-VN"/>
           </a:p>
@@ -8673,7 +8676,7 @@
           <a:p>
             <a:fld id="{6D026B78-2648-4B9F-83F5-DFFF490A7A0F}" type="datetimeFigureOut">
               <a:rPr lang="vi-VN" smtClean="0"/>
-              <a:t>27/10/2024</a:t>
+              <a:t>30/10/2024</a:t>
             </a:fld>
             <a:endParaRPr lang="vi-VN"/>
           </a:p>
@@ -8953,7 +8956,7 @@
           <a:p>
             <a:fld id="{6D026B78-2648-4B9F-83F5-DFFF490A7A0F}" type="datetimeFigureOut">
               <a:rPr lang="vi-VN" smtClean="0"/>
-              <a:t>27/10/2024</a:t>
+              <a:t>30/10/2024</a:t>
             </a:fld>
             <a:endParaRPr lang="vi-VN"/>
           </a:p>
@@ -12030,7 +12033,7 @@
           <a:p>
             <a:fld id="{6D026B78-2648-4B9F-83F5-DFFF490A7A0F}" type="datetimeFigureOut">
               <a:rPr lang="vi-VN" smtClean="0"/>
-              <a:t>27/10/2024</a:t>
+              <a:t>30/10/2024</a:t>
             </a:fld>
             <a:endParaRPr lang="vi-VN"/>
           </a:p>
@@ -12605,125 +12608,73 @@
         </p:nvSpPr>
         <p:spPr>
           <a:xfrm>
-            <a:off x="1141412" y="405352"/>
-            <a:ext cx="9905999" cy="5834129"/>
+            <a:off x="998076" y="649145"/>
+            <a:ext cx="10049335" cy="5590336"/>
           </a:xfrm>
         </p:spPr>
         <p:txBody>
           <a:bodyPr>
-            <a:normAutofit fontScale="92500" lnSpcReduction="10000"/>
+            <a:normAutofit/>
           </a:bodyPr>
           <a:lstStyle/>
           <a:p>
-            <a:pPr marL="0" indent="0">
+            <a:pPr marL="0" indent="0" algn="ctr">
               <a:buNone/>
             </a:pPr>
             <a:r>
-              <a:rPr lang="en-US" b="1" dirty="0"/>
+              <a:rPr lang="en-US" sz="3200" b="1" dirty="0"/>
               <a:t>2.  Quick Sort</a:t>
-            </a:r>
-          </a:p>
-          <a:p>
-            <a:r>
-              <a:rPr lang="en-US" b="1" dirty="0"/>
-              <a:t>Overview:</a:t>
-            </a:r>
-            <a:br>
-              <a:rPr lang="en-US" dirty="0"/>
-            </a:br>
-            <a:r>
-              <a:rPr lang="en-US" dirty="0"/>
-              <a:t>Quick Sort is an efficient sorting algorithm that uses the Divide and Conquer approach. It selects a 'pivot' element and partitions the array into subarrays based on whether elements are less than or greater than the pivot.</a:t>
-            </a:r>
-          </a:p>
-          <a:p>
-            <a:r>
-              <a:rPr lang="en-US" b="1" dirty="0"/>
-              <a:t>Steps:</a:t>
-            </a:r>
-            <a:endParaRPr lang="en-US" dirty="0"/>
-          </a:p>
-          <a:p>
-            <a:pPr lvl="1">
-              <a:buFont typeface="Courier New" panose="02070309020205020404" pitchFamily="49" charset="0"/>
-              <a:buChar char="o"/>
-            </a:pPr>
-            <a:r>
-              <a:rPr lang="en-US" b="1" dirty="0"/>
-              <a:t>Choose a Pivot:</a:t>
-            </a:r>
-            <a:r>
-              <a:rPr lang="en-US" dirty="0"/>
-              <a:t> Select an element as the pivot.</a:t>
-            </a:r>
-          </a:p>
-          <a:p>
-            <a:pPr lvl="1">
-              <a:buFont typeface="Courier New" panose="02070309020205020404" pitchFamily="49" charset="0"/>
-              <a:buChar char="o"/>
-            </a:pPr>
-            <a:r>
-              <a:rPr lang="en-US" b="1" dirty="0"/>
-              <a:t>Partition:</a:t>
-            </a:r>
-            <a:r>
-              <a:rPr lang="en-US" dirty="0"/>
-              <a:t> Rearrange the array so that elements less than the pivot are on the left, and those greater are on the right.</a:t>
-            </a:r>
-          </a:p>
-          <a:p>
-            <a:pPr lvl="1">
-              <a:buFont typeface="Courier New" panose="02070309020205020404" pitchFamily="49" charset="0"/>
-              <a:buChar char="o"/>
-            </a:pPr>
-            <a:r>
-              <a:rPr lang="en-US" b="1" dirty="0"/>
-              <a:t>Recursively Sort:</a:t>
-            </a:r>
-            <a:r>
-              <a:rPr lang="en-US" dirty="0"/>
-              <a:t> Apply the same process to the left and right subarrays.</a:t>
-            </a:r>
-          </a:p>
-          <a:p>
-            <a:r>
-              <a:rPr lang="en-US" b="1" dirty="0"/>
-              <a:t>Time Complexity:</a:t>
-            </a:r>
-            <a:endParaRPr lang="en-US" dirty="0"/>
-          </a:p>
-          <a:p>
-            <a:pPr lvl="1">
-              <a:buFont typeface="Courier New" panose="02070309020205020404" pitchFamily="49" charset="0"/>
-              <a:buChar char="o"/>
-            </a:pPr>
-            <a:r>
-              <a:rPr lang="en-US" dirty="0"/>
-              <a:t>Best Case: O(n log n)</a:t>
-            </a:r>
-          </a:p>
-          <a:p>
-            <a:pPr lvl="1">
-              <a:buFont typeface="Courier New" panose="02070309020205020404" pitchFamily="49" charset="0"/>
-              <a:buChar char="o"/>
-            </a:pPr>
-            <a:r>
-              <a:rPr lang="en-US" dirty="0"/>
-              <a:t>Average Case: O(n log n)</a:t>
-            </a:r>
-          </a:p>
-          <a:p>
-            <a:pPr lvl="1">
-              <a:buFont typeface="Courier New" panose="02070309020205020404" pitchFamily="49" charset="0"/>
-              <a:buChar char="o"/>
-            </a:pPr>
-            <a:r>
-              <a:rPr lang="en-US" dirty="0"/>
-              <a:t>Worst Case: O(n²) (occurs when the smallest or largest element is always chosen as the pivot)</a:t>
             </a:r>
           </a:p>
         </p:txBody>
       </p:sp>
+      <p:pic>
+        <p:nvPicPr>
+          <p:cNvPr id="2050" name="Picture 2" descr="Quick Sort in Data Structure - TechVidvan">
+            <a:extLst>
+              <a:ext uri="{FF2B5EF4-FFF2-40B4-BE49-F238E27FC236}">
+                <a16:creationId xmlns:a16="http://schemas.microsoft.com/office/drawing/2014/main" id="{56DA2588-FFC4-4F3C-8044-47172F3E05D0}"/>
+              </a:ext>
+            </a:extLst>
+          </p:cNvPr>
+          <p:cNvPicPr>
+            <a:picLocks noChangeAspect="1" noChangeArrowheads="1"/>
+          </p:cNvPicPr>
+          <p:nvPr/>
+        </p:nvPicPr>
+        <p:blipFill>
+          <a:blip r:embed="rId2">
+            <a:extLst>
+              <a:ext uri="{28A0092B-C50C-407E-A947-70E740481C1C}">
+                <a14:useLocalDpi xmlns:a14="http://schemas.microsoft.com/office/drawing/2010/main" val="0"/>
+              </a:ext>
+            </a:extLst>
+          </a:blip>
+          <a:srcRect/>
+          <a:stretch>
+            <a:fillRect/>
+          </a:stretch>
+        </p:blipFill>
+        <p:spPr bwMode="auto">
+          <a:xfrm>
+            <a:off x="3470787" y="2428671"/>
+            <a:ext cx="5737959" cy="2988904"/>
+          </a:xfrm>
+          <a:prstGeom prst="rect">
+            <a:avLst/>
+          </a:prstGeom>
+          <a:noFill/>
+          <a:extLst>
+            <a:ext uri="{909E8E84-426E-40DD-AFC4-6F175D3DCCD1}">
+              <a14:hiddenFill xmlns:a14="http://schemas.microsoft.com/office/drawing/2010/main">
+                <a:solidFill>
+                  <a:srgbClr val="FFFFFF"/>
+                </a:solidFill>
+              </a14:hiddenFill>
+            </a:ext>
+          </a:extLst>
+        </p:spPr>
+      </p:pic>
     </p:spTree>
     <p:extLst>
       <p:ext uri="{BB962C8B-B14F-4D97-AF65-F5344CB8AC3E}">
@@ -12759,6 +12710,143 @@
           <p:cNvPr id="2" name="Title 1">
             <a:extLst>
               <a:ext uri="{FF2B5EF4-FFF2-40B4-BE49-F238E27FC236}">
+                <a16:creationId xmlns:a16="http://schemas.microsoft.com/office/drawing/2014/main" id="{B8B9CE36-722F-4AD7-95BA-513B8F3A80B7}"/>
+              </a:ext>
+            </a:extLst>
+          </p:cNvPr>
+          <p:cNvSpPr>
+            <a:spLocks noGrp="1"/>
+          </p:cNvSpPr>
+          <p:nvPr>
+            <p:ph type="title"/>
+          </p:nvPr>
+        </p:nvSpPr>
+        <p:spPr/>
+        <p:txBody>
+          <a:bodyPr/>
+          <a:lstStyle/>
+          <a:p>
+            <a:endParaRPr lang="vi-VN"/>
+          </a:p>
+        </p:txBody>
+      </p:sp>
+      <p:sp>
+        <p:nvSpPr>
+          <p:cNvPr id="3" name="Content Placeholder 2">
+            <a:extLst>
+              <a:ext uri="{FF2B5EF4-FFF2-40B4-BE49-F238E27FC236}">
+                <a16:creationId xmlns:a16="http://schemas.microsoft.com/office/drawing/2014/main" id="{AB28E988-3EAB-453E-8F88-EE0C86C39F4C}"/>
+              </a:ext>
+            </a:extLst>
+          </p:cNvPr>
+          <p:cNvSpPr>
+            <a:spLocks noGrp="1"/>
+          </p:cNvSpPr>
+          <p:nvPr>
+            <p:ph idx="1"/>
+          </p:nvPr>
+        </p:nvSpPr>
+        <p:spPr/>
+        <p:txBody>
+          <a:bodyPr>
+            <a:normAutofit lnSpcReduction="10000"/>
+          </a:bodyPr>
+          <a:lstStyle/>
+          <a:p>
+            <a:r>
+              <a:rPr lang="en-US" dirty="0"/>
+              <a:t>Quick Sort is an efficient sorting algorithm that uses the Divide and Conquer approach. It selects a 'pivot' element and partitions the array into subarrays based on whether elements are less than or greater than the pivot.</a:t>
+            </a:r>
+          </a:p>
+          <a:p>
+            <a:r>
+              <a:rPr lang="en-US" b="1" dirty="0"/>
+              <a:t>Steps:</a:t>
+            </a:r>
+            <a:endParaRPr lang="en-US" dirty="0"/>
+          </a:p>
+          <a:p>
+            <a:pPr lvl="1">
+              <a:buFont typeface="Courier New" panose="02070309020205020404" pitchFamily="49" charset="0"/>
+              <a:buChar char="o"/>
+            </a:pPr>
+            <a:r>
+              <a:rPr lang="en-US" b="1" dirty="0"/>
+              <a:t>Choose a Pivot:</a:t>
+            </a:r>
+            <a:r>
+              <a:rPr lang="en-US" dirty="0"/>
+              <a:t> Select an element as the pivot.</a:t>
+            </a:r>
+          </a:p>
+          <a:p>
+            <a:pPr lvl="1">
+              <a:buFont typeface="Courier New" panose="02070309020205020404" pitchFamily="49" charset="0"/>
+              <a:buChar char="o"/>
+            </a:pPr>
+            <a:r>
+              <a:rPr lang="en-US" b="1" dirty="0"/>
+              <a:t>Partition:</a:t>
+            </a:r>
+            <a:r>
+              <a:rPr lang="en-US" dirty="0"/>
+              <a:t> Rearrange the array so that elements less than the pivot are on the left, and those greater are on the right.</a:t>
+            </a:r>
+          </a:p>
+          <a:p>
+            <a:pPr lvl="1">
+              <a:buFont typeface="Courier New" panose="02070309020205020404" pitchFamily="49" charset="0"/>
+              <a:buChar char="o"/>
+            </a:pPr>
+            <a:r>
+              <a:rPr lang="en-US" b="1" dirty="0"/>
+              <a:t>Recursively Sort:</a:t>
+            </a:r>
+            <a:r>
+              <a:rPr lang="en-US" dirty="0"/>
+              <a:t> Apply the same process to the left and right subarrays</a:t>
+            </a:r>
+          </a:p>
+          <a:p>
+            <a:endParaRPr lang="vi-VN" dirty="0"/>
+          </a:p>
+        </p:txBody>
+      </p:sp>
+    </p:spTree>
+    <p:extLst>
+      <p:ext uri="{BB962C8B-B14F-4D97-AF65-F5344CB8AC3E}">
+        <p14:creationId xmlns:p14="http://schemas.microsoft.com/office/powerpoint/2010/main" val="1318627916"/>
+      </p:ext>
+    </p:extLst>
+  </p:cSld>
+  <p:clrMapOvr>
+    <a:masterClrMapping/>
+  </p:clrMapOvr>
+</p:sld>
+</file>
+
+<file path=ppt/slides/slide12.xml><?xml version="1.0" encoding="utf-8"?>
+<p:sld xmlns:a="http://schemas.openxmlformats.org/drawingml/2006/main" xmlns:r="http://schemas.openxmlformats.org/officeDocument/2006/relationships" xmlns:p="http://schemas.openxmlformats.org/presentationml/2006/main">
+  <p:cSld>
+    <p:spTree>
+      <p:nvGrpSpPr>
+        <p:cNvPr id="1" name=""/>
+        <p:cNvGrpSpPr/>
+        <p:nvPr/>
+      </p:nvGrpSpPr>
+      <p:grpSpPr>
+        <a:xfrm>
+          <a:off x="0" y="0"/>
+          <a:ext cx="0" cy="0"/>
+          <a:chOff x="0" y="0"/>
+          <a:chExt cx="0" cy="0"/>
+        </a:xfrm>
+      </p:grpSpPr>
+      <p:sp>
+        <p:nvSpPr>
+          <p:cNvPr id="2" name="Title 1">
+            <a:extLst>
+              <a:ext uri="{FF2B5EF4-FFF2-40B4-BE49-F238E27FC236}">
                 <a16:creationId xmlns:a16="http://schemas.microsoft.com/office/drawing/2014/main" id="{B82EAFDC-97B3-452D-BE2B-6940B0E3AE7C}"/>
               </a:ext>
             </a:extLst>
@@ -12772,7 +12860,7 @@
         </p:nvSpPr>
         <p:spPr>
           <a:xfrm>
-            <a:off x="1141413" y="2689715"/>
+            <a:off x="931206" y="934487"/>
             <a:ext cx="10972030" cy="1478570"/>
           </a:xfrm>
         </p:spPr>
@@ -12836,7 +12924,7 @@
 </p:sld>
 </file>
 
-<file path=ppt/slides/slide12.xml><?xml version="1.0" encoding="utf-8"?>
+<file path=ppt/slides/slide13.xml><?xml version="1.0" encoding="utf-8"?>
 <p:sld xmlns:a="http://schemas.openxmlformats.org/drawingml/2006/main" xmlns:r="http://schemas.openxmlformats.org/officeDocument/2006/relationships" xmlns:p="http://schemas.openxmlformats.org/presentationml/2006/main">
   <p:cSld>
     <p:spTree>
@@ -12869,7 +12957,12 @@
             <p:ph type="title"/>
           </p:nvPr>
         </p:nvSpPr>
-        <p:spPr/>
+        <p:spPr>
+          <a:xfrm>
+            <a:off x="1338637" y="6169334"/>
+            <a:ext cx="9905998" cy="1478570"/>
+          </a:xfrm>
+        </p:spPr>
         <p:txBody>
           <a:bodyPr/>
           <a:lstStyle/>
@@ -12902,109 +12995,67 @@
         </p:spPr>
         <p:txBody>
           <a:bodyPr>
-            <a:normAutofit fontScale="92500" lnSpcReduction="10000"/>
+            <a:normAutofit/>
           </a:bodyPr>
           <a:lstStyle/>
           <a:p>
-            <a:r>
-              <a:rPr lang="en-US" b="1" dirty="0"/>
+            <a:pPr marL="0" indent="0" algn="ctr">
+              <a:buNone/>
+            </a:pPr>
+            <a:r>
+              <a:rPr lang="en-US" sz="3200" b="1" dirty="0"/>
               <a:t>1. Dijkstra's Algorithm</a:t>
             </a:r>
-          </a:p>
-          <a:p>
-            <a:r>
-              <a:rPr lang="en-US" b="1" dirty="0"/>
-              <a:t>Dijkstra's algorithm</a:t>
-            </a:r>
-            <a:r>
-              <a:rPr lang="en-US" dirty="0"/>
-              <a:t> is widely used for finding the shortest paths from a single source node to all other nodes in a weighted graph. It operates under the assumption that all edge weights are non-negative. The algorithm works by maintaining a priority queue of nodes, where the node with the smallest tentative distance is processed first. Use a priority queue to repeatedly extract the node with the smallest distance.</a:t>
-            </a:r>
-          </a:p>
-          <a:p>
-            <a:r>
-              <a:rPr lang="en-US" dirty="0"/>
-              <a:t>For each neighboring node, calculate the tentative distance through the current node and update it if it's smaller than the previously recorded distance.</a:t>
-            </a:r>
-          </a:p>
-          <a:p>
-            <a:r>
-              <a:rPr lang="en-US" dirty="0"/>
-              <a:t>Repeat until all nodes have been processed.</a:t>
-            </a:r>
-          </a:p>
-          <a:p>
-            <a:r>
-              <a:rPr lang="en-US" dirty="0"/>
-              <a:t>Dijkstra's algorithm is efficient for sparse graphs and has a time complexity of O((V+E)</a:t>
-            </a:r>
-            <a:r>
-              <a:rPr lang="en-US" dirty="0" err="1"/>
-              <a:t>log⁡V</a:t>
-            </a:r>
-            <a:r>
-              <a:rPr lang="en-US" dirty="0"/>
-              <a:t>)</a:t>
-            </a:r>
-            <a:r>
-              <a:rPr lang="en-US" i="1" dirty="0"/>
-              <a:t>O</a:t>
-            </a:r>
-            <a:r>
-              <a:rPr lang="en-US" dirty="0"/>
-              <a:t>((</a:t>
-            </a:r>
-            <a:r>
-              <a:rPr lang="en-US" i="1" dirty="0"/>
-              <a:t>V</a:t>
-            </a:r>
-            <a:r>
-              <a:rPr lang="en-US" dirty="0"/>
-              <a:t>+</a:t>
-            </a:r>
-            <a:r>
-              <a:rPr lang="en-US" i="1" dirty="0"/>
-              <a:t>E</a:t>
-            </a:r>
-            <a:r>
-              <a:rPr lang="en-US" dirty="0"/>
-              <a:t>)</a:t>
-            </a:r>
-            <a:r>
-              <a:rPr lang="en-US" dirty="0" err="1"/>
-              <a:t>log</a:t>
-            </a:r>
-            <a:r>
-              <a:rPr lang="en-US" i="1" dirty="0" err="1"/>
-              <a:t>V</a:t>
-            </a:r>
-            <a:r>
-              <a:rPr lang="en-US" dirty="0"/>
-              <a:t>), where V</a:t>
-            </a:r>
-            <a:r>
-              <a:rPr lang="en-US" i="1" dirty="0"/>
-              <a:t>V</a:t>
-            </a:r>
-            <a:r>
-              <a:rPr lang="en-US" dirty="0"/>
-              <a:t> is the number of vertices and E</a:t>
-            </a:r>
-            <a:r>
-              <a:rPr lang="en-US" i="1" dirty="0"/>
-              <a:t>E</a:t>
-            </a:r>
-            <a:r>
-              <a:rPr lang="en-US" dirty="0"/>
-              <a:t> is the number of edges</a:t>
-            </a:r>
-            <a:endParaRPr lang="vi-VN" dirty="0"/>
-          </a:p>
-          <a:p>
-            <a:endParaRPr lang="vi-VN" dirty="0"/>
           </a:p>
         </p:txBody>
       </p:sp>
+      <p:pic>
+        <p:nvPicPr>
+          <p:cNvPr id="1026" name="Picture 2" descr="Understanding Dijkstra's Algorithm - Shiksha Online">
+            <a:extLst>
+              <a:ext uri="{FF2B5EF4-FFF2-40B4-BE49-F238E27FC236}">
+                <a16:creationId xmlns:a16="http://schemas.microsoft.com/office/drawing/2014/main" id="{245B09AC-270D-42CE-8807-6F59237A2E28}"/>
+              </a:ext>
+            </a:extLst>
+          </p:cNvPr>
+          <p:cNvPicPr>
+            <a:picLocks noChangeAspect="1" noChangeArrowheads="1"/>
+          </p:cNvPicPr>
+          <p:nvPr/>
+        </p:nvPicPr>
+        <p:blipFill>
+          <a:blip r:embed="rId2">
+            <a:extLst>
+              <a:ext uri="{28A0092B-C50C-407E-A947-70E740481C1C}">
+                <a14:useLocalDpi xmlns:a14="http://schemas.microsoft.com/office/drawing/2010/main" val="0"/>
+              </a:ext>
+            </a:extLst>
+          </a:blip>
+          <a:srcRect/>
+          <a:stretch>
+            <a:fillRect/>
+          </a:stretch>
+        </p:blipFill>
+        <p:spPr bwMode="auto">
+          <a:xfrm>
+            <a:off x="3048001" y="1921679"/>
+            <a:ext cx="5945136" cy="3329276"/>
+          </a:xfrm>
+          <a:prstGeom prst="rect">
+            <a:avLst/>
+          </a:prstGeom>
+          <a:noFill/>
+          <a:extLst>
+            <a:ext uri="{909E8E84-426E-40DD-AFC4-6F175D3DCCD1}">
+              <a14:hiddenFill xmlns:a14="http://schemas.microsoft.com/office/drawing/2010/main">
+                <a:solidFill>
+                  <a:srgbClr val="FFFFFF"/>
+                </a:solidFill>
+              </a14:hiddenFill>
+            </a:ext>
+          </a:extLst>
+        </p:spPr>
+      </p:pic>
     </p:spTree>
     <p:extLst>
       <p:ext uri="{BB962C8B-B14F-4D97-AF65-F5344CB8AC3E}">
@@ -13018,7 +13069,118 @@
 </p:sld>
 </file>
 
-<file path=ppt/slides/slide13.xml><?xml version="1.0" encoding="utf-8"?>
+<file path=ppt/slides/slide14.xml><?xml version="1.0" encoding="utf-8"?>
+<p:sld xmlns:a="http://schemas.openxmlformats.org/drawingml/2006/main" xmlns:r="http://schemas.openxmlformats.org/officeDocument/2006/relationships" xmlns:p="http://schemas.openxmlformats.org/presentationml/2006/main">
+  <p:cSld>
+    <p:spTree>
+      <p:nvGrpSpPr>
+        <p:cNvPr id="1" name=""/>
+        <p:cNvGrpSpPr/>
+        <p:nvPr/>
+      </p:nvGrpSpPr>
+      <p:grpSpPr>
+        <a:xfrm>
+          <a:off x="0" y="0"/>
+          <a:ext cx="0" cy="0"/>
+          <a:chOff x="0" y="0"/>
+          <a:chExt cx="0" cy="0"/>
+        </a:xfrm>
+      </p:grpSpPr>
+      <p:sp>
+        <p:nvSpPr>
+          <p:cNvPr id="2" name="Title 1">
+            <a:extLst>
+              <a:ext uri="{FF2B5EF4-FFF2-40B4-BE49-F238E27FC236}">
+                <a16:creationId xmlns:a16="http://schemas.microsoft.com/office/drawing/2014/main" id="{F71DA558-49EC-45A6-A7AC-20F5E68B3D59}"/>
+              </a:ext>
+            </a:extLst>
+          </p:cNvPr>
+          <p:cNvSpPr>
+            <a:spLocks noGrp="1"/>
+          </p:cNvSpPr>
+          <p:nvPr>
+            <p:ph type="title"/>
+          </p:nvPr>
+        </p:nvSpPr>
+        <p:spPr/>
+        <p:txBody>
+          <a:bodyPr/>
+          <a:lstStyle/>
+          <a:p>
+            <a:endParaRPr lang="vi-VN"/>
+          </a:p>
+        </p:txBody>
+      </p:sp>
+      <p:sp>
+        <p:nvSpPr>
+          <p:cNvPr id="3" name="Content Placeholder 2">
+            <a:extLst>
+              <a:ext uri="{FF2B5EF4-FFF2-40B4-BE49-F238E27FC236}">
+                <a16:creationId xmlns:a16="http://schemas.microsoft.com/office/drawing/2014/main" id="{639D6F2A-397E-4B37-916C-5D79238A9AA8}"/>
+              </a:ext>
+            </a:extLst>
+          </p:cNvPr>
+          <p:cNvSpPr>
+            <a:spLocks noGrp="1"/>
+          </p:cNvSpPr>
+          <p:nvPr>
+            <p:ph idx="1"/>
+          </p:nvPr>
+        </p:nvSpPr>
+        <p:spPr>
+          <a:xfrm>
+            <a:off x="1141412" y="1513490"/>
+            <a:ext cx="9905999" cy="4277711"/>
+          </a:xfrm>
+        </p:spPr>
+        <p:txBody>
+          <a:bodyPr>
+            <a:normAutofit/>
+          </a:bodyPr>
+          <a:lstStyle/>
+          <a:p>
+            <a:r>
+              <a:rPr lang="en-US" sz="2800" i="1" u="sng" dirty="0">
+                <a:hlinkClick r:id="rId2"/>
+              </a:rPr>
+              <a:t>Dijkstra’s algorithm</a:t>
+            </a:r>
+            <a:r>
+              <a:rPr lang="en-US" sz="2800" i="1" dirty="0"/>
+              <a:t> is a popular algorithm for solving many single-source shortest path problems having non-negative edge weight in the graphs i.e.,</a:t>
+            </a:r>
+          </a:p>
+          <a:p>
+            <a:r>
+              <a:rPr lang="en-US" sz="2800" dirty="0"/>
+              <a:t>For each neighboring node, calculate the tentative distance through the current node and update it if it's smaller than the previously recorded distance.</a:t>
+            </a:r>
+          </a:p>
+          <a:p>
+            <a:r>
+              <a:rPr lang="en-US" sz="2800" dirty="0"/>
+              <a:t>Repeat until all nodes have been processed.</a:t>
+            </a:r>
+          </a:p>
+          <a:p>
+            <a:endParaRPr lang="vi-VN" dirty="0"/>
+          </a:p>
+        </p:txBody>
+      </p:sp>
+    </p:spTree>
+    <p:extLst>
+      <p:ext uri="{BB962C8B-B14F-4D97-AF65-F5344CB8AC3E}">
+        <p14:creationId xmlns:p14="http://schemas.microsoft.com/office/powerpoint/2010/main" val="1216352597"/>
+      </p:ext>
+    </p:extLst>
+  </p:cSld>
+  <p:clrMapOvr>
+    <a:masterClrMapping/>
+  </p:clrMapOvr>
+</p:sld>
+</file>
+
+<file path=ppt/slides/slide15.xml><?xml version="1.0" encoding="utf-8"?>
 <p:sld xmlns:a="http://schemas.openxmlformats.org/drawingml/2006/main" xmlns:r="http://schemas.openxmlformats.org/officeDocument/2006/relationships" xmlns:p="http://schemas.openxmlformats.org/presentationml/2006/main">
   <p:cSld>
     <p:spTree>
@@ -13097,13 +13259,13 @@
         </p:nvSpPr>
         <p:spPr>
           <a:xfrm>
-            <a:off x="1141412" y="1555424"/>
-            <a:ext cx="9905999" cy="4779388"/>
+            <a:off x="836612" y="1327091"/>
+            <a:ext cx="5164776" cy="3069148"/>
           </a:xfrm>
         </p:spPr>
         <p:txBody>
           <a:bodyPr>
-            <a:normAutofit fontScale="77500" lnSpcReduction="20000"/>
+            <a:normAutofit fontScale="92500" lnSpcReduction="10000"/>
           </a:bodyPr>
           <a:lstStyle/>
           <a:p>
@@ -13133,19 +13295,13 @@
             </a:r>
             <a:r>
               <a:rPr lang="en-US" dirty="0"/>
-              <a:t> of a weighted undirected graph, minimizing the total edge weight while connecting all </a:t>
-            </a:r>
-            <a:r>
-              <a:rPr lang="en-US" dirty="0" err="1"/>
-              <a:t>vertices.</a:t>
-            </a:r>
-            <a:r>
-              <a:rPr lang="en-US" b="1" dirty="0" err="1"/>
-              <a:t>How</a:t>
-            </a:r>
+              <a:t> of a weighted undirected graph,.</a:t>
+            </a:r>
+          </a:p>
+          <a:p>
             <a:r>
               <a:rPr lang="en-US" b="1" dirty="0"/>
-              <a:t> It Works</a:t>
+              <a:t>How It Works</a:t>
             </a:r>
           </a:p>
           <a:p>
@@ -13159,118 +13315,57 @@
             </a:r>
           </a:p>
           <a:p>
-            <a:r>
-              <a:rPr lang="en-US" b="1" dirty="0"/>
-              <a:t>Edge Selection</a:t>
-            </a:r>
-            <a:r>
-              <a:rPr lang="en-US" dirty="0"/>
-              <a:t>: Repeatedly choose the smallest edge that connects a vertex in the MST to a vertex outside of it.</a:t>
-            </a:r>
-          </a:p>
-          <a:p>
-            <a:r>
-              <a:rPr lang="en-US" b="1" dirty="0"/>
-              <a:t>Repeat</a:t>
-            </a:r>
-            <a:r>
-              <a:rPr lang="en-US" dirty="0"/>
-              <a:t>: Continue until all vertices are included.</a:t>
-            </a:r>
-          </a:p>
-          <a:p>
-            <a:r>
-              <a:rPr lang="en-US" b="1" dirty="0"/>
-              <a:t>Characteristics</a:t>
-            </a:r>
-          </a:p>
-          <a:p>
-            <a:r>
-              <a:rPr lang="en-US" b="1" dirty="0"/>
-              <a:t>Time Complexity</a:t>
-            </a:r>
-            <a:r>
-              <a:rPr lang="en-US" dirty="0"/>
-              <a:t>:</a:t>
-            </a:r>
-          </a:p>
-          <a:p>
-            <a:pPr lvl="1"/>
-            <a:r>
-              <a:rPr lang="en-US" dirty="0"/>
-              <a:t>Using a priority queue: O(</a:t>
-            </a:r>
-            <a:r>
-              <a:rPr lang="en-US" dirty="0" err="1"/>
-              <a:t>Elog⁡V</a:t>
-            </a:r>
-            <a:r>
-              <a:rPr lang="en-US" dirty="0"/>
-              <a:t>)</a:t>
-            </a:r>
-            <a:r>
-              <a:rPr lang="en-US" i="1" dirty="0"/>
-              <a:t>O</a:t>
-            </a:r>
-            <a:r>
-              <a:rPr lang="en-US" dirty="0"/>
-              <a:t>(</a:t>
-            </a:r>
-            <a:r>
-              <a:rPr lang="en-US" i="1" dirty="0" err="1"/>
-              <a:t>E</a:t>
-            </a:r>
-            <a:r>
-              <a:rPr lang="en-US" dirty="0" err="1"/>
-              <a:t>log</a:t>
-            </a:r>
-            <a:r>
-              <a:rPr lang="en-US" i="1" dirty="0" err="1"/>
-              <a:t>V</a:t>
-            </a:r>
-            <a:r>
-              <a:rPr lang="en-US" dirty="0"/>
-              <a:t>)</a:t>
-            </a:r>
-          </a:p>
-          <a:p>
-            <a:pPr lvl="1"/>
-            <a:r>
-              <a:rPr lang="en-US" dirty="0"/>
-              <a:t>Using an adjacency matrix: O(V2)</a:t>
-            </a:r>
-            <a:r>
-              <a:rPr lang="en-US" i="1" dirty="0"/>
-              <a:t>O</a:t>
-            </a:r>
-            <a:r>
-              <a:rPr lang="en-US" dirty="0"/>
-              <a:t>(</a:t>
-            </a:r>
-            <a:r>
-              <a:rPr lang="en-US" i="1" dirty="0"/>
-              <a:t>V</a:t>
-            </a:r>
-            <a:r>
-              <a:rPr lang="en-US" dirty="0"/>
-              <a:t>2)</a:t>
-            </a:r>
-          </a:p>
-          <a:p>
-            <a:r>
-              <a:rPr lang="en-US" b="1" dirty="0"/>
-              <a:t>Applications</a:t>
-            </a:r>
-            <a:r>
-              <a:rPr lang="en-US" dirty="0"/>
-              <a:t>: Commonly used in network design and optimization problems requiring a minimum spanning tree.</a:t>
-            </a:r>
-          </a:p>
-          <a:p>
             <a:endParaRPr lang="vi-VN" dirty="0"/>
           </a:p>
         </p:txBody>
       </p:sp>
+      <p:pic>
+        <p:nvPicPr>
+          <p:cNvPr id="1026" name="Picture 2" descr="Prim-Jarnik algorithm - YouTube">
+            <a:extLst>
+              <a:ext uri="{FF2B5EF4-FFF2-40B4-BE49-F238E27FC236}">
+                <a16:creationId xmlns:a16="http://schemas.microsoft.com/office/drawing/2014/main" id="{79585A2A-AE8B-43D7-8B82-B6BC7178B91D}"/>
+              </a:ext>
+            </a:extLst>
+          </p:cNvPr>
+          <p:cNvPicPr>
+            <a:picLocks noChangeAspect="1" noChangeArrowheads="1"/>
+          </p:cNvPicPr>
+          <p:nvPr/>
+        </p:nvPicPr>
+        <p:blipFill>
+          <a:blip r:embed="rId2">
+            <a:extLst>
+              <a:ext uri="{28A0092B-C50C-407E-A947-70E740481C1C}">
+                <a14:useLocalDpi xmlns:a14="http://schemas.microsoft.com/office/drawing/2010/main" val="0"/>
+              </a:ext>
+            </a:extLst>
+          </a:blip>
+          <a:srcRect/>
+          <a:stretch>
+            <a:fillRect/>
+          </a:stretch>
+        </p:blipFill>
+        <p:spPr bwMode="auto">
+          <a:xfrm>
+            <a:off x="6808725" y="1489435"/>
+            <a:ext cx="4631763" cy="2543504"/>
+          </a:xfrm>
+          <a:prstGeom prst="rect">
+            <a:avLst/>
+          </a:prstGeom>
+          <a:noFill/>
+          <a:extLst>
+            <a:ext uri="{909E8E84-426E-40DD-AFC4-6F175D3DCCD1}">
+              <a14:hiddenFill xmlns:a14="http://schemas.microsoft.com/office/drawing/2010/main">
+                <a:solidFill>
+                  <a:srgbClr val="FFFFFF"/>
+                </a:solidFill>
+              </a14:hiddenFill>
+            </a:ext>
+          </a:extLst>
+        </p:spPr>
+      </p:pic>
     </p:spTree>
     <p:extLst>
       <p:ext uri="{BB962C8B-B14F-4D97-AF65-F5344CB8AC3E}">
@@ -13284,7 +13379,117 @@
 </p:sld>
 </file>
 
-<file path=ppt/slides/slide14.xml><?xml version="1.0" encoding="utf-8"?>
+<file path=ppt/slides/slide16.xml><?xml version="1.0" encoding="utf-8"?>
+<p:sld xmlns:a="http://schemas.openxmlformats.org/drawingml/2006/main" xmlns:r="http://schemas.openxmlformats.org/officeDocument/2006/relationships" xmlns:p="http://schemas.openxmlformats.org/presentationml/2006/main">
+  <p:cSld>
+    <p:spTree>
+      <p:nvGrpSpPr>
+        <p:cNvPr id="1" name=""/>
+        <p:cNvGrpSpPr/>
+        <p:nvPr/>
+      </p:nvGrpSpPr>
+      <p:grpSpPr>
+        <a:xfrm>
+          <a:off x="0" y="0"/>
+          <a:ext cx="0" cy="0"/>
+          <a:chOff x="0" y="0"/>
+          <a:chExt cx="0" cy="0"/>
+        </a:xfrm>
+      </p:grpSpPr>
+      <p:sp>
+        <p:nvSpPr>
+          <p:cNvPr id="2" name="Title 1">
+            <a:extLst>
+              <a:ext uri="{FF2B5EF4-FFF2-40B4-BE49-F238E27FC236}">
+                <a16:creationId xmlns:a16="http://schemas.microsoft.com/office/drawing/2014/main" id="{FD806E10-8682-40ED-9264-B710B3B88FE9}"/>
+              </a:ext>
+            </a:extLst>
+          </p:cNvPr>
+          <p:cNvSpPr>
+            <a:spLocks noGrp="1"/>
+          </p:cNvSpPr>
+          <p:nvPr>
+            <p:ph type="title"/>
+          </p:nvPr>
+        </p:nvSpPr>
+        <p:spPr/>
+        <p:txBody>
+          <a:bodyPr/>
+          <a:lstStyle/>
+          <a:p>
+            <a:endParaRPr lang="vi-VN" dirty="0"/>
+          </a:p>
+        </p:txBody>
+      </p:sp>
+      <p:sp>
+        <p:nvSpPr>
+          <p:cNvPr id="3" name="Content Placeholder 2">
+            <a:extLst>
+              <a:ext uri="{FF2B5EF4-FFF2-40B4-BE49-F238E27FC236}">
+                <a16:creationId xmlns:a16="http://schemas.microsoft.com/office/drawing/2014/main" id="{6FE282F1-BA3C-40C5-A845-1032C434097C}"/>
+              </a:ext>
+            </a:extLst>
+          </p:cNvPr>
+          <p:cNvSpPr>
+            <a:spLocks noGrp="1"/>
+          </p:cNvSpPr>
+          <p:nvPr>
+            <p:ph idx="1"/>
+          </p:nvPr>
+        </p:nvSpPr>
+        <p:spPr/>
+        <p:txBody>
+          <a:bodyPr/>
+          <a:lstStyle/>
+          <a:p>
+            <a:r>
+              <a:rPr lang="en-US" b="1" dirty="0"/>
+              <a:t>Edge Selection</a:t>
+            </a:r>
+            <a:r>
+              <a:rPr lang="en-US" dirty="0"/>
+              <a:t>: Repeatedly choose the smallest edge that connects a vertex in the MST to a vertex outside of it.</a:t>
+            </a:r>
+          </a:p>
+          <a:p>
+            <a:r>
+              <a:rPr lang="en-US" b="1" dirty="0"/>
+              <a:t>Repeat</a:t>
+            </a:r>
+            <a:r>
+              <a:rPr lang="en-US" dirty="0"/>
+              <a:t>: Continue until all vertices are included.</a:t>
+            </a:r>
+          </a:p>
+          <a:p>
+            <a:r>
+              <a:rPr lang="en-US" b="1" dirty="0"/>
+              <a:t>Applications</a:t>
+            </a:r>
+            <a:r>
+              <a:rPr lang="en-US" dirty="0"/>
+              <a:t>: Commonly used in network design and optimization problems requiring a minimum spanning tree.</a:t>
+            </a:r>
+          </a:p>
+          <a:p>
+            <a:endParaRPr lang="vi-VN" dirty="0"/>
+          </a:p>
+        </p:txBody>
+      </p:sp>
+    </p:spTree>
+    <p:extLst>
+      <p:ext uri="{BB962C8B-B14F-4D97-AF65-F5344CB8AC3E}">
+        <p14:creationId xmlns:p14="http://schemas.microsoft.com/office/powerpoint/2010/main" val="2300633576"/>
+      </p:ext>
+    </p:extLst>
+  </p:cSld>
+  <p:clrMapOvr>
+    <a:masterClrMapping/>
+  </p:clrMapOvr>
+</p:sld>
+</file>
+
+<file path=ppt/slides/slide17.xml><?xml version="1.0" encoding="utf-8"?>
 <p:sld xmlns:a="http://schemas.openxmlformats.org/drawingml/2006/main" xmlns:r="http://schemas.openxmlformats.org/officeDocument/2006/relationships" xmlns:p="http://schemas.openxmlformats.org/presentationml/2006/main">
   <p:cSld>
     <p:spTree>
@@ -13371,7 +13576,7 @@
 </p:sld>
 </file>
 
-<file path=ppt/slides/slide15.xml><?xml version="1.0" encoding="utf-8"?>
+<file path=ppt/slides/slide18.xml><?xml version="1.0" encoding="utf-8"?>
 <p:sld xmlns:a="http://schemas.openxmlformats.org/drawingml/2006/main" xmlns:r="http://schemas.openxmlformats.org/officeDocument/2006/relationships" xmlns:p="http://schemas.openxmlformats.org/presentationml/2006/main">
   <p:cSld>
     <p:spTree>
@@ -13892,15 +14097,13 @@
             <a:pPr lvl="1"/>
             <a:r>
               <a:rPr lang="en-US" sz="2400" dirty="0"/>
-              <a:t>If Stack B is empty, pop all elements from Stack A and push them onto Stack B (this reverses the order, simulating FIFO).</a:t>
-            </a:r>
-          </a:p>
-          <a:p>
-            <a:pPr lvl="1"/>
-            <a:r>
-              <a:rPr lang="en-US" sz="2400" dirty="0"/>
-              <a:t>Pop the top element from Stack B</a:t>
-            </a:r>
+              <a:t>If Stack B is empty, pop all elements from Stack A and push them onto Stack B (this reverses the order, simulating </a:t>
+            </a:r>
+            <a:r>
+              <a:rPr lang="en-US" sz="2400"/>
+              <a:t>FIFO).</a:t>
+            </a:r>
+            <a:endParaRPr lang="en-US" sz="2400" dirty="0"/>
           </a:p>
         </p:txBody>
       </p:sp>
@@ -13939,7 +14142,7 @@
           <p:cNvPr id="2" name="Title 1">
             <a:extLst>
               <a:ext uri="{FF2B5EF4-FFF2-40B4-BE49-F238E27FC236}">
-                <a16:creationId xmlns:a16="http://schemas.microsoft.com/office/drawing/2014/main" id="{B2512FAE-8041-4D4C-AA8B-DB6F67B46B54}"/>
+                <a16:creationId xmlns:a16="http://schemas.microsoft.com/office/drawing/2014/main" id="{58D7AFFE-3363-4036-A562-DFF9E5C72527}"/>
               </a:ext>
             </a:extLst>
           </p:cNvPr>
@@ -13959,81 +14162,77 @@
           </a:p>
         </p:txBody>
       </p:sp>
-      <p:pic>
-        <p:nvPicPr>
-          <p:cNvPr id="5" name="Content Placeholder 4">
+      <p:sp>
+        <p:nvSpPr>
+          <p:cNvPr id="3" name="Content Placeholder 2">
             <a:extLst>
               <a:ext uri="{FF2B5EF4-FFF2-40B4-BE49-F238E27FC236}">
-                <a16:creationId xmlns:a16="http://schemas.microsoft.com/office/drawing/2014/main" id="{8C11CF0F-EE7A-4084-872E-EA38E3B378FE}"/>
+                <a16:creationId xmlns:a16="http://schemas.microsoft.com/office/drawing/2014/main" id="{D71AB268-7B13-4800-AD11-3F3346175899}"/>
               </a:ext>
             </a:extLst>
           </p:cNvPr>
-          <p:cNvPicPr>
-            <a:picLocks noGrp="1" noChangeAspect="1"/>
-          </p:cNvPicPr>
+          <p:cNvSpPr>
+            <a:spLocks noGrp="1"/>
+          </p:cNvSpPr>
           <p:nvPr>
             <p:ph idx="1"/>
           </p:nvPr>
-        </p:nvPicPr>
-        <p:blipFill>
-          <a:blip r:embed="rId2">
-            <a:extLst>
-              <a:ext uri="{28A0092B-C50C-407E-A947-70E740481C1C}">
-                <a14:useLocalDpi xmlns:a14="http://schemas.microsoft.com/office/drawing/2010/main" val="0"/>
-              </a:ext>
-            </a:extLst>
-          </a:blip>
-          <a:stretch>
-            <a:fillRect/>
-          </a:stretch>
-        </p:blipFill>
-        <p:spPr>
-          <a:xfrm>
-            <a:off x="5994481" y="1357803"/>
-            <a:ext cx="5675869" cy="4608302"/>
-          </a:xfrm>
-        </p:spPr>
-      </p:pic>
-      <p:pic>
-        <p:nvPicPr>
-          <p:cNvPr id="7" name="Picture 6">
-            <a:extLst>
-              <a:ext uri="{FF2B5EF4-FFF2-40B4-BE49-F238E27FC236}">
-                <a16:creationId xmlns:a16="http://schemas.microsoft.com/office/drawing/2014/main" id="{76F14326-FC63-452F-B538-90D4BDBCA9A8}"/>
-              </a:ext>
-            </a:extLst>
-          </p:cNvPr>
-          <p:cNvPicPr>
-            <a:picLocks noChangeAspect="1"/>
-          </p:cNvPicPr>
-          <p:nvPr/>
-        </p:nvPicPr>
-        <p:blipFill>
-          <a:blip r:embed="rId3">
-            <a:extLst>
-              <a:ext uri="{28A0092B-C50C-407E-A947-70E740481C1C}">
-                <a14:useLocalDpi xmlns:a14="http://schemas.microsoft.com/office/drawing/2010/main" val="0"/>
-              </a:ext>
-            </a:extLst>
-          </a:blip>
-          <a:stretch>
-            <a:fillRect/>
-          </a:stretch>
-        </p:blipFill>
-        <p:spPr>
-          <a:xfrm>
-            <a:off x="518474" y="1357804"/>
-            <a:ext cx="5396999" cy="4608302"/>
-          </a:xfrm>
-          <a:prstGeom prst="rect">
-            <a:avLst/>
-          </a:prstGeom>
-        </p:spPr>
-      </p:pic>
+        </p:nvSpPr>
+        <p:spPr/>
+        <p:txBody>
+          <a:bodyPr>
+            <a:normAutofit fontScale="92500" lnSpcReduction="10000"/>
+          </a:bodyPr>
+          <a:lstStyle/>
+          <a:p>
+            <a:pPr fontAlgn="base"/>
+            <a:r>
+              <a:rPr lang="en-US" dirty="0"/>
+              <a:t>There are mainly three steps in the algorithm:</a:t>
+            </a:r>
+          </a:p>
+          <a:p>
+            <a:pPr fontAlgn="base"/>
+            <a:r>
+              <a:rPr lang="en-US" b="1" dirty="0"/>
+              <a:t>Choose a Pivot: </a:t>
+            </a:r>
+            <a:r>
+              <a:rPr lang="en-US" dirty="0"/>
+              <a:t>Select an element from the array as the pivot. The choice of pivot can vary</a:t>
+            </a:r>
+          </a:p>
+          <a:p>
+            <a:pPr fontAlgn="base"/>
+            <a:r>
+              <a:rPr lang="en-US" b="1" dirty="0"/>
+              <a:t>Partition the Array:</a:t>
+            </a:r>
+            <a:r>
+              <a:rPr lang="en-US" dirty="0"/>
+              <a:t> Rearrange the array around the pivot. After partitioning, all elements smaller than the pivot will be on its left, and all elements greater than the pivot will be on its right. </a:t>
+            </a:r>
+          </a:p>
+          <a:p>
+            <a:pPr fontAlgn="base"/>
+            <a:r>
+              <a:rPr lang="en-US" b="1" dirty="0"/>
+              <a:t>Recursively Call:</a:t>
+            </a:r>
+            <a:r>
+              <a:rPr lang="en-US" dirty="0"/>
+              <a:t> Recursively apply the same process to the two partitioned sub-arrays (left and right of the pivot).</a:t>
+            </a:r>
+          </a:p>
+          <a:p>
+            <a:endParaRPr lang="vi-VN" dirty="0"/>
+          </a:p>
+        </p:txBody>
+      </p:sp>
     </p:spTree>
     <p:extLst>
       <p:ext uri="{BB962C8B-B14F-4D97-AF65-F5344CB8AC3E}">
-        <p14:creationId xmlns:p14="http://schemas.microsoft.com/office/powerpoint/2010/main" val="3308690969"/>
+        <p14:creationId xmlns:p14="http://schemas.microsoft.com/office/powerpoint/2010/main" val="3113695909"/>
       </p:ext>
     </p:extLst>
   </p:cSld>
@@ -14113,7 +14312,7 @@
         </p:spPr>
         <p:txBody>
           <a:bodyPr>
-            <a:normAutofit fontScale="47500" lnSpcReduction="20000"/>
+            <a:normAutofit fontScale="62500" lnSpcReduction="20000"/>
           </a:bodyPr>
           <a:lstStyle/>
           <a:p>
@@ -14136,16 +14335,6 @@
             <a:r>
               <a:rPr lang="en-US" sz="4200" dirty="0"/>
               <a:t> principle, meaning that the first element added to the queue will be the first one to be removed. </a:t>
-            </a:r>
-            <a:r>
-              <a:rPr lang="en-US" sz="4200" b="1" dirty="0"/>
-              <a:t>1. Array-Based Implementation</a:t>
-            </a:r>
-          </a:p>
-          <a:p>
-            <a:r>
-              <a:rPr lang="en-US" sz="4200" dirty="0"/>
-              <a:t>In an array-based implementation, we use a fixed-size array to store the elements of the queue. We maintain two pointers: one for the front of the queue and one for the rear.</a:t>
             </a:r>
           </a:p>
           <a:p>
@@ -14582,8 +14771,8 @@
         </p:nvSpPr>
         <p:spPr>
           <a:xfrm>
-            <a:off x="1141412" y="141402"/>
-            <a:ext cx="9905999" cy="6551629"/>
+            <a:off x="1141412" y="1209368"/>
+            <a:ext cx="9905999" cy="5483663"/>
           </a:xfrm>
         </p:spPr>
         <p:txBody>
@@ -14658,43 +14847,6 @@
             <a:r>
               <a:rPr lang="en-US" dirty="0"/>
               <a:t> Merge the two sorted halves.</a:t>
-            </a:r>
-          </a:p>
-          <a:p>
-            <a:r>
-              <a:rPr lang="en-US" b="1" dirty="0"/>
-              <a:t>Time Complexity:</a:t>
-            </a:r>
-            <a:endParaRPr lang="en-US" dirty="0"/>
-          </a:p>
-          <a:p>
-            <a:pPr lvl="1">
-              <a:buFont typeface="Courier New" panose="02070309020205020404" pitchFamily="49" charset="0"/>
-              <a:buChar char="o"/>
-            </a:pPr>
-            <a:r>
-              <a:rPr lang="en-US" dirty="0"/>
-              <a:t>Best Case: O(n log n)</a:t>
-            </a:r>
-          </a:p>
-          <a:p>
-            <a:pPr lvl="1">
-              <a:buFont typeface="Courier New" panose="02070309020205020404" pitchFamily="49" charset="0"/>
-              <a:buChar char="o"/>
-            </a:pPr>
-            <a:r>
-              <a:rPr lang="en-US" dirty="0"/>
-              <a:t>Average Case: O(n log n)</a:t>
-            </a:r>
-          </a:p>
-          <a:p>
-            <a:pPr lvl="1">
-              <a:buFont typeface="Courier New" panose="02070309020205020404" pitchFamily="49" charset="0"/>
-              <a:buChar char="o"/>
-            </a:pPr>
-            <a:r>
-              <a:rPr lang="en-US" dirty="0"/>
-              <a:t>Worst Case: O(n log n)</a:t>
             </a:r>
           </a:p>
         </p:txBody>

--- a/BH01702_TranVanThanh_SE07102.pptx
+++ b/BH01702_TranVanThanh_SE07102.pptx
@@ -179,7 +179,7 @@
           <a:noFill/>
           <a:extLst>
             <a:ext uri="{909E8E84-426E-40dd-AFC4-6F175D3DCCD1}">
-              <a14:hiddenFill xmlns="" xmlns:a14="http://schemas.microsoft.com/office/drawing/2010/main">
+              <a14:hiddenFill xmlns:a14="http://schemas.microsoft.com/office/drawing/2010/main" xmlns="">
                 <a:solidFill>
                   <a:srgbClr val="FFFFFF"/>
                 </a:solidFill>
@@ -239,7 +239,7 @@
             </a:ln>
             <a:extLst>
               <a:ext uri="{91240B29-F687-4f45-9708-019B960494DF}">
-                <a14:hiddenLine xmlns="" xmlns:a14="http://schemas.microsoft.com/office/drawing/2010/main" w="9525">
+                <a14:hiddenLine xmlns:a14="http://schemas.microsoft.com/office/drawing/2010/main" xmlns="" w="9525">
                   <a:solidFill>
                     <a:srgbClr val="000000"/>
                   </a:solidFill>
@@ -329,7 +329,7 @@
             </a:ln>
             <a:extLst>
               <a:ext uri="{91240B29-F687-4f45-9708-019B960494DF}">
-                <a14:hiddenLine xmlns="" xmlns:a14="http://schemas.microsoft.com/office/drawing/2010/main" w="9525">
+                <a14:hiddenLine xmlns:a14="http://schemas.microsoft.com/office/drawing/2010/main" xmlns="" w="9525">
                   <a:solidFill>
                     <a:srgbClr val="000000"/>
                   </a:solidFill>
@@ -419,7 +419,7 @@
             </a:ln>
             <a:extLst>
               <a:ext uri="{91240B29-F687-4f45-9708-019B960494DF}">
-                <a14:hiddenLine xmlns="" xmlns:a14="http://schemas.microsoft.com/office/drawing/2010/main" w="9525">
+                <a14:hiddenLine xmlns:a14="http://schemas.microsoft.com/office/drawing/2010/main" xmlns="" w="9525">
                   <a:solidFill>
                     <a:srgbClr val="000000"/>
                   </a:solidFill>
@@ -453,7 +453,7 @@
             </a:ln>
             <a:extLst>
               <a:ext uri="{91240B29-F687-4f45-9708-019B960494DF}">
-                <a14:hiddenLine xmlns="" xmlns:a14="http://schemas.microsoft.com/office/drawing/2010/main" w="9525">
+                <a14:hiddenLine xmlns:a14="http://schemas.microsoft.com/office/drawing/2010/main" xmlns="" w="9525">
                   <a:solidFill>
                     <a:srgbClr val="000000"/>
                   </a:solidFill>
@@ -543,7 +543,7 @@
             </a:ln>
             <a:extLst>
               <a:ext uri="{91240B29-F687-4f45-9708-019B960494DF}">
-                <a14:hiddenLine xmlns="" xmlns:a14="http://schemas.microsoft.com/office/drawing/2010/main" w="9525">
+                <a14:hiddenLine xmlns:a14="http://schemas.microsoft.com/office/drawing/2010/main" xmlns="" w="9525">
                   <a:solidFill>
                     <a:srgbClr val="000000"/>
                   </a:solidFill>
@@ -605,7 +605,7 @@
             </a:ln>
             <a:extLst>
               <a:ext uri="{91240B29-F687-4f45-9708-019B960494DF}">
-                <a14:hiddenLine xmlns="" xmlns:a14="http://schemas.microsoft.com/office/drawing/2010/main" w="9525">
+                <a14:hiddenLine xmlns:a14="http://schemas.microsoft.com/office/drawing/2010/main" xmlns="" w="9525">
                   <a:solidFill>
                     <a:srgbClr val="000000"/>
                   </a:solidFill>
@@ -667,7 +667,7 @@
             </a:ln>
             <a:extLst>
               <a:ext uri="{91240B29-F687-4f45-9708-019B960494DF}">
-                <a14:hiddenLine xmlns="" xmlns:a14="http://schemas.microsoft.com/office/drawing/2010/main" w="9525">
+                <a14:hiddenLine xmlns:a14="http://schemas.microsoft.com/office/drawing/2010/main" xmlns="" w="9525">
                   <a:solidFill>
                     <a:srgbClr val="000000"/>
                   </a:solidFill>
@@ -757,7 +757,7 @@
             </a:ln>
             <a:extLst>
               <a:ext uri="{91240B29-F687-4f45-9708-019B960494DF}">
-                <a14:hiddenLine xmlns="" xmlns:a14="http://schemas.microsoft.com/office/drawing/2010/main" w="9525">
+                <a14:hiddenLine xmlns:a14="http://schemas.microsoft.com/office/drawing/2010/main" xmlns="" w="9525">
                   <a:solidFill>
                     <a:srgbClr val="000000"/>
                   </a:solidFill>
@@ -819,7 +819,7 @@
             </a:ln>
             <a:extLst>
               <a:ext uri="{91240B29-F687-4f45-9708-019B960494DF}">
-                <a14:hiddenLine xmlns="" xmlns:a14="http://schemas.microsoft.com/office/drawing/2010/main" w="9525">
+                <a14:hiddenLine xmlns:a14="http://schemas.microsoft.com/office/drawing/2010/main" xmlns="" w="9525">
                   <a:solidFill>
                     <a:srgbClr val="000000"/>
                   </a:solidFill>
@@ -881,7 +881,7 @@
             </a:ln>
             <a:extLst>
               <a:ext uri="{91240B29-F687-4f45-9708-019B960494DF}">
-                <a14:hiddenLine xmlns="" xmlns:a14="http://schemas.microsoft.com/office/drawing/2010/main" w="9525">
+                <a14:hiddenLine xmlns:a14="http://schemas.microsoft.com/office/drawing/2010/main" xmlns="" w="9525">
                   <a:solidFill>
                     <a:srgbClr val="000000"/>
                   </a:solidFill>
@@ -971,7 +971,7 @@
             </a:ln>
             <a:extLst>
               <a:ext uri="{91240B29-F687-4f45-9708-019B960494DF}">
-                <a14:hiddenLine xmlns="" xmlns:a14="http://schemas.microsoft.com/office/drawing/2010/main" w="9525">
+                <a14:hiddenLine xmlns:a14="http://schemas.microsoft.com/office/drawing/2010/main" xmlns="" w="9525">
                   <a:solidFill>
                     <a:srgbClr val="000000"/>
                   </a:solidFill>
@@ -1061,7 +1061,7 @@
             </a:ln>
             <a:extLst>
               <a:ext uri="{91240B29-F687-4f45-9708-019B960494DF}">
-                <a14:hiddenLine xmlns="" xmlns:a14="http://schemas.microsoft.com/office/drawing/2010/main" w="9525">
+                <a14:hiddenLine xmlns:a14="http://schemas.microsoft.com/office/drawing/2010/main" xmlns="" w="9525">
                   <a:solidFill>
                     <a:srgbClr val="000000"/>
                   </a:solidFill>
@@ -1123,7 +1123,7 @@
             </a:ln>
             <a:extLst>
               <a:ext uri="{91240B29-F687-4f45-9708-019B960494DF}">
-                <a14:hiddenLine xmlns="" xmlns:a14="http://schemas.microsoft.com/office/drawing/2010/main" w="9525">
+                <a14:hiddenLine xmlns:a14="http://schemas.microsoft.com/office/drawing/2010/main" xmlns="" w="9525">
                   <a:solidFill>
                     <a:srgbClr val="000000"/>
                   </a:solidFill>
@@ -1233,7 +1233,7 @@
             </a:ln>
             <a:extLst>
               <a:ext uri="{91240B29-F687-4f45-9708-019B960494DF}">
-                <a14:hiddenLine xmlns="" xmlns:a14="http://schemas.microsoft.com/office/drawing/2010/main" w="9525">
+                <a14:hiddenLine xmlns:a14="http://schemas.microsoft.com/office/drawing/2010/main" xmlns="" w="9525">
                   <a:solidFill>
                     <a:srgbClr val="000000"/>
                   </a:solidFill>
@@ -1295,7 +1295,7 @@
             </a:ln>
             <a:extLst>
               <a:ext uri="{91240B29-F687-4f45-9708-019B960494DF}">
-                <a14:hiddenLine xmlns="" xmlns:a14="http://schemas.microsoft.com/office/drawing/2010/main" w="9525">
+                <a14:hiddenLine xmlns:a14="http://schemas.microsoft.com/office/drawing/2010/main" xmlns="" w="9525">
                   <a:solidFill>
                     <a:srgbClr val="000000"/>
                   </a:solidFill>
@@ -1385,7 +1385,7 @@
             </a:ln>
             <a:extLst>
               <a:ext uri="{91240B29-F687-4f45-9708-019B960494DF}">
-                <a14:hiddenLine xmlns="" xmlns:a14="http://schemas.microsoft.com/office/drawing/2010/main" w="9525">
+                <a14:hiddenLine xmlns:a14="http://schemas.microsoft.com/office/drawing/2010/main" xmlns="" w="9525">
                   <a:solidFill>
                     <a:srgbClr val="000000"/>
                   </a:solidFill>
@@ -1475,7 +1475,7 @@
             </a:ln>
             <a:extLst>
               <a:ext uri="{91240B29-F687-4f45-9708-019B960494DF}">
-                <a14:hiddenLine xmlns="" xmlns:a14="http://schemas.microsoft.com/office/drawing/2010/main" w="9525">
+                <a14:hiddenLine xmlns:a14="http://schemas.microsoft.com/office/drawing/2010/main" xmlns="" w="9525">
                   <a:solidFill>
                     <a:srgbClr val="000000"/>
                   </a:solidFill>
@@ -1537,7 +1537,7 @@
             </a:ln>
             <a:extLst>
               <a:ext uri="{91240B29-F687-4f45-9708-019B960494DF}">
-                <a14:hiddenLine xmlns="" xmlns:a14="http://schemas.microsoft.com/office/drawing/2010/main" w="9525">
+                <a14:hiddenLine xmlns:a14="http://schemas.microsoft.com/office/drawing/2010/main" xmlns="" w="9525">
                   <a:solidFill>
                     <a:srgbClr val="000000"/>
                   </a:solidFill>
@@ -1627,7 +1627,7 @@
             </a:ln>
             <a:extLst>
               <a:ext uri="{91240B29-F687-4f45-9708-019B960494DF}">
-                <a14:hiddenLine xmlns="" xmlns:a14="http://schemas.microsoft.com/office/drawing/2010/main" w="9525">
+                <a14:hiddenLine xmlns:a14="http://schemas.microsoft.com/office/drawing/2010/main" xmlns="" w="9525">
                   <a:solidFill>
                     <a:srgbClr val="000000"/>
                   </a:solidFill>
@@ -1717,7 +1717,7 @@
             </a:ln>
             <a:extLst>
               <a:ext uri="{91240B29-F687-4f45-9708-019B960494DF}">
-                <a14:hiddenLine xmlns="" xmlns:a14="http://schemas.microsoft.com/office/drawing/2010/main" w="9525">
+                <a14:hiddenLine xmlns:a14="http://schemas.microsoft.com/office/drawing/2010/main" xmlns="" w="9525">
                   <a:solidFill>
                     <a:srgbClr val="000000"/>
                   </a:solidFill>
@@ -1773,7 +1773,7 @@
             </a:ln>
             <a:extLst>
               <a:ext uri="{91240B29-F687-4f45-9708-019B960494DF}">
-                <a14:hiddenLine xmlns="" xmlns:a14="http://schemas.microsoft.com/office/drawing/2010/main" w="9525">
+                <a14:hiddenLine xmlns:a14="http://schemas.microsoft.com/office/drawing/2010/main" xmlns="" w="9525">
                   <a:solidFill>
                     <a:srgbClr val="000000"/>
                   </a:solidFill>
@@ -1863,7 +1863,7 @@
             </a:ln>
             <a:extLst>
               <a:ext uri="{91240B29-F687-4f45-9708-019B960494DF}">
-                <a14:hiddenLine xmlns="" xmlns:a14="http://schemas.microsoft.com/office/drawing/2010/main" w="9525">
+                <a14:hiddenLine xmlns:a14="http://schemas.microsoft.com/office/drawing/2010/main" xmlns="" w="9525">
                   <a:solidFill>
                     <a:srgbClr val="000000"/>
                   </a:solidFill>
@@ -1919,7 +1919,7 @@
             </a:ln>
             <a:extLst>
               <a:ext uri="{91240B29-F687-4f45-9708-019B960494DF}">
-                <a14:hiddenLine xmlns="" xmlns:a14="http://schemas.microsoft.com/office/drawing/2010/main" w="9525">
+                <a14:hiddenLine xmlns:a14="http://schemas.microsoft.com/office/drawing/2010/main" xmlns="" w="9525">
                   <a:solidFill>
                     <a:srgbClr val="000000"/>
                   </a:solidFill>
@@ -2009,7 +2009,7 @@
             </a:ln>
             <a:extLst>
               <a:ext uri="{91240B29-F687-4f45-9708-019B960494DF}">
-                <a14:hiddenLine xmlns="" xmlns:a14="http://schemas.microsoft.com/office/drawing/2010/main" w="9525">
+                <a14:hiddenLine xmlns:a14="http://schemas.microsoft.com/office/drawing/2010/main" xmlns="" w="9525">
                   <a:solidFill>
                     <a:srgbClr val="000000"/>
                   </a:solidFill>
@@ -2077,7 +2077,7 @@
             </a:ln>
             <a:extLst>
               <a:ext uri="{91240B29-F687-4f45-9708-019B960494DF}">
-                <a14:hiddenLine xmlns="" xmlns:a14="http://schemas.microsoft.com/office/drawing/2010/main" w="9525">
+                <a14:hiddenLine xmlns:a14="http://schemas.microsoft.com/office/drawing/2010/main" xmlns="" w="9525">
                   <a:solidFill>
                     <a:srgbClr val="000000"/>
                   </a:solidFill>
@@ -2167,7 +2167,7 @@
             </a:ln>
             <a:extLst>
               <a:ext uri="{91240B29-F687-4f45-9708-019B960494DF}">
-                <a14:hiddenLine xmlns="" xmlns:a14="http://schemas.microsoft.com/office/drawing/2010/main" w="9525">
+                <a14:hiddenLine xmlns:a14="http://schemas.microsoft.com/office/drawing/2010/main" xmlns="" w="9525">
                   <a:solidFill>
                     <a:srgbClr val="000000"/>
                   </a:solidFill>
@@ -2235,7 +2235,7 @@
             </a:ln>
             <a:extLst>
               <a:ext uri="{91240B29-F687-4f45-9708-019B960494DF}">
-                <a14:hiddenLine xmlns="" xmlns:a14="http://schemas.microsoft.com/office/drawing/2010/main" w="9525">
+                <a14:hiddenLine xmlns:a14="http://schemas.microsoft.com/office/drawing/2010/main" xmlns="" w="9525">
                   <a:solidFill>
                     <a:srgbClr val="000000"/>
                   </a:solidFill>
@@ -2325,7 +2325,7 @@
             </a:ln>
             <a:extLst>
               <a:ext uri="{91240B29-F687-4f45-9708-019B960494DF}">
-                <a14:hiddenLine xmlns="" xmlns:a14="http://schemas.microsoft.com/office/drawing/2010/main" w="9525">
+                <a14:hiddenLine xmlns:a14="http://schemas.microsoft.com/office/drawing/2010/main" xmlns="" w="9525">
                   <a:solidFill>
                     <a:srgbClr val="000000"/>
                   </a:solidFill>
@@ -2359,7 +2359,7 @@
             </a:ln>
             <a:extLst>
               <a:ext uri="{91240B29-F687-4f45-9708-019B960494DF}">
-                <a14:hiddenLine xmlns="" xmlns:a14="http://schemas.microsoft.com/office/drawing/2010/main" w="9525">
+                <a14:hiddenLine xmlns:a14="http://schemas.microsoft.com/office/drawing/2010/main" xmlns="" w="9525">
                   <a:solidFill>
                     <a:srgbClr val="000000"/>
                   </a:solidFill>
@@ -2449,7 +2449,7 @@
             </a:ln>
             <a:extLst>
               <a:ext uri="{91240B29-F687-4f45-9708-019B960494DF}">
-                <a14:hiddenLine xmlns="" xmlns:a14="http://schemas.microsoft.com/office/drawing/2010/main" w="9525">
+                <a14:hiddenLine xmlns:a14="http://schemas.microsoft.com/office/drawing/2010/main" xmlns="" w="9525">
                   <a:solidFill>
                     <a:srgbClr val="000000"/>
                   </a:solidFill>
@@ -2511,7 +2511,7 @@
             </a:ln>
             <a:extLst>
               <a:ext uri="{91240B29-F687-4f45-9708-019B960494DF}">
-                <a14:hiddenLine xmlns="" xmlns:a14="http://schemas.microsoft.com/office/drawing/2010/main" w="9525">
+                <a14:hiddenLine xmlns:a14="http://schemas.microsoft.com/office/drawing/2010/main" xmlns="" w="9525">
                   <a:solidFill>
                     <a:srgbClr val="000000"/>
                   </a:solidFill>
@@ -2573,7 +2573,7 @@
             </a:ln>
             <a:extLst>
               <a:ext uri="{91240B29-F687-4f45-9708-019B960494DF}">
-                <a14:hiddenLine xmlns="" xmlns:a14="http://schemas.microsoft.com/office/drawing/2010/main" w="9525">
+                <a14:hiddenLine xmlns:a14="http://schemas.microsoft.com/office/drawing/2010/main" xmlns="" w="9525">
                   <a:solidFill>
                     <a:srgbClr val="000000"/>
                   </a:solidFill>
@@ -2663,7 +2663,7 @@
             </a:ln>
             <a:extLst>
               <a:ext uri="{91240B29-F687-4f45-9708-019B960494DF}">
-                <a14:hiddenLine xmlns="" xmlns:a14="http://schemas.microsoft.com/office/drawing/2010/main" w="9525">
+                <a14:hiddenLine xmlns:a14="http://schemas.microsoft.com/office/drawing/2010/main" xmlns="" w="9525">
                   <a:solidFill>
                     <a:srgbClr val="000000"/>
                   </a:solidFill>
@@ -2731,7 +2731,7 @@
             </a:ln>
             <a:extLst>
               <a:ext uri="{91240B29-F687-4f45-9708-019B960494DF}">
-                <a14:hiddenLine xmlns="" xmlns:a14="http://schemas.microsoft.com/office/drawing/2010/main" w="9525">
+                <a14:hiddenLine xmlns:a14="http://schemas.microsoft.com/office/drawing/2010/main" xmlns="" w="9525">
                   <a:solidFill>
                     <a:srgbClr val="000000"/>
                   </a:solidFill>
@@ -2793,7 +2793,7 @@
             </a:ln>
             <a:extLst>
               <a:ext uri="{91240B29-F687-4f45-9708-019B960494DF}">
-                <a14:hiddenLine xmlns="" xmlns:a14="http://schemas.microsoft.com/office/drawing/2010/main" w="9525">
+                <a14:hiddenLine xmlns:a14="http://schemas.microsoft.com/office/drawing/2010/main" xmlns="" w="9525">
                   <a:solidFill>
                     <a:srgbClr val="000000"/>
                   </a:solidFill>
@@ -2883,7 +2883,7 @@
             </a:ln>
             <a:extLst>
               <a:ext uri="{91240B29-F687-4f45-9708-019B960494DF}">
-                <a14:hiddenLine xmlns="" xmlns:a14="http://schemas.microsoft.com/office/drawing/2010/main" w="9525">
+                <a14:hiddenLine xmlns:a14="http://schemas.microsoft.com/office/drawing/2010/main" xmlns="" w="9525">
                   <a:solidFill>
                     <a:srgbClr val="000000"/>
                   </a:solidFill>
@@ -2945,7 +2945,7 @@
             </a:ln>
             <a:extLst>
               <a:ext uri="{91240B29-F687-4f45-9708-019B960494DF}">
-                <a14:hiddenLine xmlns="" xmlns:a14="http://schemas.microsoft.com/office/drawing/2010/main" w="9525">
+                <a14:hiddenLine xmlns:a14="http://schemas.microsoft.com/office/drawing/2010/main" xmlns="" w="9525">
                   <a:solidFill>
                     <a:srgbClr val="000000"/>
                   </a:solidFill>
@@ -3035,7 +3035,7 @@
             </a:ln>
             <a:extLst>
               <a:ext uri="{91240B29-F687-4f45-9708-019B960494DF}">
-                <a14:hiddenLine xmlns="" xmlns:a14="http://schemas.microsoft.com/office/drawing/2010/main" w="9525">
+                <a14:hiddenLine xmlns:a14="http://schemas.microsoft.com/office/drawing/2010/main" xmlns="" w="9525">
                   <a:solidFill>
                     <a:srgbClr val="000000"/>
                   </a:solidFill>
@@ -3097,7 +3097,7 @@
             </a:ln>
             <a:extLst>
               <a:ext uri="{91240B29-F687-4f45-9708-019B960494DF}">
-                <a14:hiddenLine xmlns="" xmlns:a14="http://schemas.microsoft.com/office/drawing/2010/main" w="9525">
+                <a14:hiddenLine xmlns:a14="http://schemas.microsoft.com/office/drawing/2010/main" xmlns="" w="9525">
                   <a:solidFill>
                     <a:srgbClr val="000000"/>
                   </a:solidFill>
@@ -3187,7 +3187,7 @@
             </a:ln>
             <a:extLst>
               <a:ext uri="{91240B29-F687-4f45-9708-019B960494DF}">
-                <a14:hiddenLine xmlns="" xmlns:a14="http://schemas.microsoft.com/office/drawing/2010/main" w="9525">
+                <a14:hiddenLine xmlns:a14="http://schemas.microsoft.com/office/drawing/2010/main" xmlns="" w="9525">
                   <a:solidFill>
                     <a:srgbClr val="000000"/>
                   </a:solidFill>
@@ -3221,7 +3221,7 @@
             </a:ln>
             <a:extLst>
               <a:ext uri="{91240B29-F687-4f45-9708-019B960494DF}">
-                <a14:hiddenLine xmlns="" xmlns:a14="http://schemas.microsoft.com/office/drawing/2010/main" w="9525">
+                <a14:hiddenLine xmlns:a14="http://schemas.microsoft.com/office/drawing/2010/main" xmlns="" w="9525">
                   <a:solidFill>
                     <a:srgbClr val="000000"/>
                   </a:solidFill>
@@ -3286,7 +3286,7 @@
             </a:ln>
             <a:extLst>
               <a:ext uri="{91240B29-F687-4f45-9708-019B960494DF}">
-                <a14:hiddenLine xmlns="" xmlns:a14="http://schemas.microsoft.com/office/drawing/2010/main" w="9525">
+                <a14:hiddenLine xmlns:a14="http://schemas.microsoft.com/office/drawing/2010/main" xmlns="" w="9525">
                   <a:solidFill>
                     <a:srgbClr val="000000"/>
                   </a:solidFill>
@@ -3376,7 +3376,7 @@
             </a:ln>
             <a:extLst>
               <a:ext uri="{91240B29-F687-4f45-9708-019B960494DF}">
-                <a14:hiddenLine xmlns="" xmlns:a14="http://schemas.microsoft.com/office/drawing/2010/main" w="9525">
+                <a14:hiddenLine xmlns:a14="http://schemas.microsoft.com/office/drawing/2010/main" xmlns="" w="9525">
                   <a:solidFill>
                     <a:srgbClr val="000000"/>
                   </a:solidFill>
@@ -3438,7 +3438,7 @@
             </a:ln>
             <a:extLst>
               <a:ext uri="{91240B29-F687-4f45-9708-019B960494DF}">
-                <a14:hiddenLine xmlns="" xmlns:a14="http://schemas.microsoft.com/office/drawing/2010/main" w="9525">
+                <a14:hiddenLine xmlns:a14="http://schemas.microsoft.com/office/drawing/2010/main" xmlns="" w="9525">
                   <a:solidFill>
                     <a:srgbClr val="000000"/>
                   </a:solidFill>
@@ -3528,7 +3528,7 @@
             </a:ln>
             <a:extLst>
               <a:ext uri="{91240B29-F687-4f45-9708-019B960494DF}">
-                <a14:hiddenLine xmlns="" xmlns:a14="http://schemas.microsoft.com/office/drawing/2010/main" w="9525">
+                <a14:hiddenLine xmlns:a14="http://schemas.microsoft.com/office/drawing/2010/main" xmlns="" w="9525">
                   <a:solidFill>
                     <a:srgbClr val="000000"/>
                   </a:solidFill>
@@ -3618,7 +3618,7 @@
             </a:ln>
             <a:extLst>
               <a:ext uri="{91240B29-F687-4f45-9708-019B960494DF}">
-                <a14:hiddenLine xmlns="" xmlns:a14="http://schemas.microsoft.com/office/drawing/2010/main" w="9525">
+                <a14:hiddenLine xmlns:a14="http://schemas.microsoft.com/office/drawing/2010/main" xmlns="" w="9525">
                   <a:solidFill>
                     <a:srgbClr val="000000"/>
                   </a:solidFill>
@@ -3683,7 +3683,7 @@
             </a:ln>
             <a:extLst>
               <a:ext uri="{91240B29-F687-4f45-9708-019B960494DF}">
-                <a14:hiddenLine xmlns="" xmlns:a14="http://schemas.microsoft.com/office/drawing/2010/main" w="9525">
+                <a14:hiddenLine xmlns:a14="http://schemas.microsoft.com/office/drawing/2010/main" xmlns="" w="9525">
                   <a:solidFill>
                     <a:srgbClr val="000000"/>
                   </a:solidFill>
@@ -3745,7 +3745,7 @@
             </a:ln>
             <a:extLst>
               <a:ext uri="{91240B29-F687-4f45-9708-019B960494DF}">
-                <a14:hiddenLine xmlns="" xmlns:a14="http://schemas.microsoft.com/office/drawing/2010/main" w="9525">
+                <a14:hiddenLine xmlns:a14="http://schemas.microsoft.com/office/drawing/2010/main" xmlns="" w="9525">
                   <a:solidFill>
                     <a:srgbClr val="000000"/>
                   </a:solidFill>
@@ -3835,7 +3835,7 @@
             </a:ln>
             <a:extLst>
               <a:ext uri="{91240B29-F687-4f45-9708-019B960494DF}">
-                <a14:hiddenLine xmlns="" xmlns:a14="http://schemas.microsoft.com/office/drawing/2010/main" w="9525">
+                <a14:hiddenLine xmlns:a14="http://schemas.microsoft.com/office/drawing/2010/main" xmlns="" w="9525">
                   <a:solidFill>
                     <a:srgbClr val="000000"/>
                   </a:solidFill>
@@ -3925,7 +3925,7 @@
             </a:ln>
             <a:extLst>
               <a:ext uri="{91240B29-F687-4f45-9708-019B960494DF}">
-                <a14:hiddenLine xmlns="" xmlns:a14="http://schemas.microsoft.com/office/drawing/2010/main" w="9525">
+                <a14:hiddenLine xmlns:a14="http://schemas.microsoft.com/office/drawing/2010/main" xmlns="" w="9525">
                   <a:solidFill>
                     <a:srgbClr val="000000"/>
                   </a:solidFill>
@@ -3987,7 +3987,7 @@
             </a:ln>
             <a:extLst>
               <a:ext uri="{91240B29-F687-4f45-9708-019B960494DF}">
-                <a14:hiddenLine xmlns="" xmlns:a14="http://schemas.microsoft.com/office/drawing/2010/main" w="9525">
+                <a14:hiddenLine xmlns:a14="http://schemas.microsoft.com/office/drawing/2010/main" xmlns="" w="9525">
                   <a:solidFill>
                     <a:srgbClr val="000000"/>
                   </a:solidFill>
@@ -4107,7 +4107,7 @@
             </a:ln>
             <a:extLst>
               <a:ext uri="{91240B29-F687-4f45-9708-019B960494DF}">
-                <a14:hiddenLine xmlns="" xmlns:a14="http://schemas.microsoft.com/office/drawing/2010/main" w="9525">
+                <a14:hiddenLine xmlns:a14="http://schemas.microsoft.com/office/drawing/2010/main" xmlns="" w="9525">
                   <a:solidFill>
                     <a:srgbClr val="000000"/>
                   </a:solidFill>
@@ -4175,7 +4175,7 @@
             </a:ln>
             <a:extLst>
               <a:ext uri="{91240B29-F687-4f45-9708-019B960494DF}">
-                <a14:hiddenLine xmlns="" xmlns:a14="http://schemas.microsoft.com/office/drawing/2010/main" w="9525">
+                <a14:hiddenLine xmlns:a14="http://schemas.microsoft.com/office/drawing/2010/main" xmlns="" w="9525">
                   <a:solidFill>
                     <a:srgbClr val="000000"/>
                   </a:solidFill>
@@ -4265,7 +4265,7 @@
             </a:ln>
             <a:extLst>
               <a:ext uri="{91240B29-F687-4f45-9708-019B960494DF}">
-                <a14:hiddenLine xmlns="" xmlns:a14="http://schemas.microsoft.com/office/drawing/2010/main" w="9525">
+                <a14:hiddenLine xmlns:a14="http://schemas.microsoft.com/office/drawing/2010/main" xmlns="" w="9525">
                   <a:solidFill>
                     <a:srgbClr val="000000"/>
                   </a:solidFill>
@@ -4405,7 +4405,7 @@
           <a:p>
             <a:fld id="{6D026B78-2648-4B9F-83F5-DFFF490A7A0F}" type="datetimeFigureOut">
               <a:rPr lang="vi-VN" smtClean="0"/>
-              <a:t>30/10/2024</a:t>
+              <a:t>11/12/2024</a:t>
             </a:fld>
             <a:endParaRPr lang="vi-VN"/>
           </a:p>
@@ -4672,7 +4672,7 @@
           <a:p>
             <a:fld id="{6D026B78-2648-4B9F-83F5-DFFF490A7A0F}" type="datetimeFigureOut">
               <a:rPr lang="vi-VN" smtClean="0"/>
-              <a:t>30/10/2024</a:t>
+              <a:t>11/12/2024</a:t>
             </a:fld>
             <a:endParaRPr lang="vi-VN"/>
           </a:p>
@@ -4868,7 +4868,7 @@
           <a:p>
             <a:fld id="{6D026B78-2648-4B9F-83F5-DFFF490A7A0F}" type="datetimeFigureOut">
               <a:rPr lang="vi-VN" smtClean="0"/>
-              <a:t>30/10/2024</a:t>
+              <a:t>11/12/2024</a:t>
             </a:fld>
             <a:endParaRPr lang="vi-VN"/>
           </a:p>
@@ -5131,7 +5131,7 @@
           <a:p>
             <a:fld id="{6D026B78-2648-4B9F-83F5-DFFF490A7A0F}" type="datetimeFigureOut">
               <a:rPr lang="vi-VN" smtClean="0"/>
-              <a:t>30/10/2024</a:t>
+              <a:t>11/12/2024</a:t>
             </a:fld>
             <a:endParaRPr lang="vi-VN"/>
           </a:p>
@@ -5565,7 +5565,7 @@
           <a:p>
             <a:fld id="{6D026B78-2648-4B9F-83F5-DFFF490A7A0F}" type="datetimeFigureOut">
               <a:rPr lang="vi-VN" smtClean="0"/>
-              <a:t>30/10/2024</a:t>
+              <a:t>11/12/2024</a:t>
             </a:fld>
             <a:endParaRPr lang="vi-VN"/>
           </a:p>
@@ -6111,7 +6111,7 @@
           <a:p>
             <a:fld id="{6D026B78-2648-4B9F-83F5-DFFF490A7A0F}" type="datetimeFigureOut">
               <a:rPr lang="vi-VN" smtClean="0"/>
-              <a:t>30/10/2024</a:t>
+              <a:t>11/12/2024</a:t>
             </a:fld>
             <a:endParaRPr lang="vi-VN"/>
           </a:p>
@@ -6831,7 +6831,7 @@
           <a:p>
             <a:fld id="{6D026B78-2648-4B9F-83F5-DFFF490A7A0F}" type="datetimeFigureOut">
               <a:rPr lang="vi-VN" smtClean="0"/>
-              <a:t>30/10/2024</a:t>
+              <a:t>11/12/2024</a:t>
             </a:fld>
             <a:endParaRPr lang="vi-VN"/>
           </a:p>
@@ -7001,7 +7001,7 @@
           <a:p>
             <a:fld id="{6D026B78-2648-4B9F-83F5-DFFF490A7A0F}" type="datetimeFigureOut">
               <a:rPr lang="vi-VN" smtClean="0"/>
-              <a:t>30/10/2024</a:t>
+              <a:t>11/12/2024</a:t>
             </a:fld>
             <a:endParaRPr lang="vi-VN"/>
           </a:p>
@@ -7181,7 +7181,7 @@
           <a:p>
             <a:fld id="{6D026B78-2648-4B9F-83F5-DFFF490A7A0F}" type="datetimeFigureOut">
               <a:rPr lang="vi-VN" smtClean="0"/>
-              <a:t>30/10/2024</a:t>
+              <a:t>11/12/2024</a:t>
             </a:fld>
             <a:endParaRPr lang="vi-VN"/>
           </a:p>
@@ -7351,7 +7351,7 @@
           <a:p>
             <a:fld id="{6D026B78-2648-4B9F-83F5-DFFF490A7A0F}" type="datetimeFigureOut">
               <a:rPr lang="vi-VN" smtClean="0"/>
-              <a:t>30/10/2024</a:t>
+              <a:t>11/12/2024</a:t>
             </a:fld>
             <a:endParaRPr lang="vi-VN"/>
           </a:p>
@@ -7601,7 +7601,7 @@
           <a:p>
             <a:fld id="{6D026B78-2648-4B9F-83F5-DFFF490A7A0F}" type="datetimeFigureOut">
               <a:rPr lang="vi-VN" smtClean="0"/>
-              <a:t>30/10/2024</a:t>
+              <a:t>11/12/2024</a:t>
             </a:fld>
             <a:endParaRPr lang="vi-VN"/>
           </a:p>
@@ -7833,7 +7833,7 @@
           <a:p>
             <a:fld id="{6D026B78-2648-4B9F-83F5-DFFF490A7A0F}" type="datetimeFigureOut">
               <a:rPr lang="vi-VN" smtClean="0"/>
-              <a:t>30/10/2024</a:t>
+              <a:t>11/12/2024</a:t>
             </a:fld>
             <a:endParaRPr lang="vi-VN"/>
           </a:p>
@@ -8214,7 +8214,7 @@
           <a:p>
             <a:fld id="{6D026B78-2648-4B9F-83F5-DFFF490A7A0F}" type="datetimeFigureOut">
               <a:rPr lang="vi-VN" smtClean="0"/>
-              <a:t>30/10/2024</a:t>
+              <a:t>11/12/2024</a:t>
             </a:fld>
             <a:endParaRPr lang="vi-VN"/>
           </a:p>
@@ -8332,7 +8332,7 @@
           <a:p>
             <a:fld id="{6D026B78-2648-4B9F-83F5-DFFF490A7A0F}" type="datetimeFigureOut">
               <a:rPr lang="vi-VN" smtClean="0"/>
-              <a:t>30/10/2024</a:t>
+              <a:t>11/12/2024</a:t>
             </a:fld>
             <a:endParaRPr lang="vi-VN"/>
           </a:p>
@@ -8427,7 +8427,7 @@
           <a:p>
             <a:fld id="{6D026B78-2648-4B9F-83F5-DFFF490A7A0F}" type="datetimeFigureOut">
               <a:rPr lang="vi-VN" smtClean="0"/>
-              <a:t>30/10/2024</a:t>
+              <a:t>11/12/2024</a:t>
             </a:fld>
             <a:endParaRPr lang="vi-VN"/>
           </a:p>
@@ -8676,7 +8676,7 @@
           <a:p>
             <a:fld id="{6D026B78-2648-4B9F-83F5-DFFF490A7A0F}" type="datetimeFigureOut">
               <a:rPr lang="vi-VN" smtClean="0"/>
-              <a:t>30/10/2024</a:t>
+              <a:t>11/12/2024</a:t>
             </a:fld>
             <a:endParaRPr lang="vi-VN"/>
           </a:p>
@@ -8956,7 +8956,7 @@
           <a:p>
             <a:fld id="{6D026B78-2648-4B9F-83F5-DFFF490A7A0F}" type="datetimeFigureOut">
               <a:rPr lang="vi-VN" smtClean="0"/>
-              <a:t>30/10/2024</a:t>
+              <a:t>11/12/2024</a:t>
             </a:fld>
             <a:endParaRPr lang="vi-VN"/>
           </a:p>
@@ -9072,7 +9072,7 @@
           <a:noFill/>
           <a:extLst>
             <a:ext uri="{909E8E84-426E-40dd-AFC4-6F175D3DCCD1}">
-              <a14:hiddenFill xmlns="" xmlns:a14="http://schemas.microsoft.com/office/drawing/2010/main">
+              <a14:hiddenFill xmlns:a14="http://schemas.microsoft.com/office/drawing/2010/main" xmlns="">
                 <a:solidFill>
                   <a:srgbClr val="FFFFFF"/>
                 </a:solidFill>
@@ -9146,7 +9146,7 @@
               </a:ln>
               <a:extLst>
                 <a:ext uri="{91240B29-F687-4f45-9708-019B960494DF}">
-                  <a14:hiddenLine xmlns="" xmlns:a14="http://schemas.microsoft.com/office/drawing/2010/main" w="9525">
+                  <a14:hiddenLine xmlns:a14="http://schemas.microsoft.com/office/drawing/2010/main" xmlns="" w="9525">
                     <a:solidFill>
                       <a:srgbClr val="000000"/>
                     </a:solidFill>
@@ -9236,7 +9236,7 @@
               </a:ln>
               <a:extLst>
                 <a:ext uri="{91240B29-F687-4f45-9708-019B960494DF}">
-                  <a14:hiddenLine xmlns="" xmlns:a14="http://schemas.microsoft.com/office/drawing/2010/main" w="9525">
+                  <a14:hiddenLine xmlns:a14="http://schemas.microsoft.com/office/drawing/2010/main" xmlns="" w="9525">
                     <a:solidFill>
                       <a:srgbClr val="000000"/>
                     </a:solidFill>
@@ -9326,7 +9326,7 @@
               </a:ln>
               <a:extLst>
                 <a:ext uri="{91240B29-F687-4f45-9708-019B960494DF}">
-                  <a14:hiddenLine xmlns="" xmlns:a14="http://schemas.microsoft.com/office/drawing/2010/main" w="9525">
+                  <a14:hiddenLine xmlns:a14="http://schemas.microsoft.com/office/drawing/2010/main" xmlns="" w="9525">
                     <a:solidFill>
                       <a:srgbClr val="000000"/>
                     </a:solidFill>
@@ -9388,7 +9388,7 @@
               </a:ln>
               <a:extLst>
                 <a:ext uri="{91240B29-F687-4f45-9708-019B960494DF}">
-                  <a14:hiddenLine xmlns="" xmlns:a14="http://schemas.microsoft.com/office/drawing/2010/main" w="9525">
+                  <a14:hiddenLine xmlns:a14="http://schemas.microsoft.com/office/drawing/2010/main" xmlns="" w="9525">
                     <a:solidFill>
                       <a:srgbClr val="000000"/>
                     </a:solidFill>
@@ -9478,7 +9478,7 @@
               </a:ln>
               <a:extLst>
                 <a:ext uri="{91240B29-F687-4f45-9708-019B960494DF}">
-                  <a14:hiddenLine xmlns="" xmlns:a14="http://schemas.microsoft.com/office/drawing/2010/main" w="9525">
+                  <a14:hiddenLine xmlns:a14="http://schemas.microsoft.com/office/drawing/2010/main" xmlns="" w="9525">
                     <a:solidFill>
                       <a:srgbClr val="000000"/>
                     </a:solidFill>
@@ -9540,7 +9540,7 @@
               </a:ln>
               <a:extLst>
                 <a:ext uri="{91240B29-F687-4f45-9708-019B960494DF}">
-                  <a14:hiddenLine xmlns="" xmlns:a14="http://schemas.microsoft.com/office/drawing/2010/main" w="9525">
+                  <a14:hiddenLine xmlns:a14="http://schemas.microsoft.com/office/drawing/2010/main" xmlns="" w="9525">
                     <a:solidFill>
                       <a:srgbClr val="000000"/>
                     </a:solidFill>
@@ -9602,7 +9602,7 @@
               </a:ln>
               <a:extLst>
                 <a:ext uri="{91240B29-F687-4f45-9708-019B960494DF}">
-                  <a14:hiddenLine xmlns="" xmlns:a14="http://schemas.microsoft.com/office/drawing/2010/main" w="9525">
+                  <a14:hiddenLine xmlns:a14="http://schemas.microsoft.com/office/drawing/2010/main" xmlns="" w="9525">
                     <a:solidFill>
                       <a:srgbClr val="000000"/>
                     </a:solidFill>
@@ -9692,7 +9692,7 @@
               </a:ln>
               <a:extLst>
                 <a:ext uri="{91240B29-F687-4f45-9708-019B960494DF}">
-                  <a14:hiddenLine xmlns="" xmlns:a14="http://schemas.microsoft.com/office/drawing/2010/main" w="9525">
+                  <a14:hiddenLine xmlns:a14="http://schemas.microsoft.com/office/drawing/2010/main" xmlns="" w="9525">
                     <a:solidFill>
                       <a:srgbClr val="000000"/>
                     </a:solidFill>
@@ -9782,7 +9782,7 @@
               </a:ln>
               <a:extLst>
                 <a:ext uri="{91240B29-F687-4f45-9708-019B960494DF}">
-                  <a14:hiddenLine xmlns="" xmlns:a14="http://schemas.microsoft.com/office/drawing/2010/main" w="9525">
+                  <a14:hiddenLine xmlns:a14="http://schemas.microsoft.com/office/drawing/2010/main" xmlns="" w="9525">
                     <a:solidFill>
                       <a:srgbClr val="000000"/>
                     </a:solidFill>
@@ -9844,7 +9844,7 @@
               </a:ln>
               <a:extLst>
                 <a:ext uri="{91240B29-F687-4f45-9708-019B960494DF}">
-                  <a14:hiddenLine xmlns="" xmlns:a14="http://schemas.microsoft.com/office/drawing/2010/main" w="9525">
+                  <a14:hiddenLine xmlns:a14="http://schemas.microsoft.com/office/drawing/2010/main" xmlns="" w="9525">
                     <a:solidFill>
                       <a:srgbClr val="000000"/>
                     </a:solidFill>
@@ -9954,7 +9954,7 @@
               </a:ln>
               <a:extLst>
                 <a:ext uri="{91240B29-F687-4f45-9708-019B960494DF}">
-                  <a14:hiddenLine xmlns="" xmlns:a14="http://schemas.microsoft.com/office/drawing/2010/main" w="9525">
+                  <a14:hiddenLine xmlns:a14="http://schemas.microsoft.com/office/drawing/2010/main" xmlns="" w="9525">
                     <a:solidFill>
                       <a:srgbClr val="000000"/>
                     </a:solidFill>
@@ -10038,7 +10038,7 @@
               </a:ln>
               <a:extLst>
                 <a:ext uri="{91240B29-F687-4f45-9708-019B960494DF}">
-                  <a14:hiddenLine xmlns="" xmlns:a14="http://schemas.microsoft.com/office/drawing/2010/main" w="9525">
+                  <a14:hiddenLine xmlns:a14="http://schemas.microsoft.com/office/drawing/2010/main" xmlns="" w="9525">
                     <a:solidFill>
                       <a:srgbClr val="000000"/>
                     </a:solidFill>
@@ -10100,7 +10100,7 @@
               </a:ln>
               <a:extLst>
                 <a:ext uri="{91240B29-F687-4f45-9708-019B960494DF}">
-                  <a14:hiddenLine xmlns="" xmlns:a14="http://schemas.microsoft.com/office/drawing/2010/main" w="9525">
+                  <a14:hiddenLine xmlns:a14="http://schemas.microsoft.com/office/drawing/2010/main" xmlns="" w="9525">
                     <a:solidFill>
                       <a:srgbClr val="000000"/>
                     </a:solidFill>
@@ -10162,7 +10162,7 @@
               </a:ln>
               <a:extLst>
                 <a:ext uri="{91240B29-F687-4f45-9708-019B960494DF}">
-                  <a14:hiddenLine xmlns="" xmlns:a14="http://schemas.microsoft.com/office/drawing/2010/main" w="9525">
+                  <a14:hiddenLine xmlns:a14="http://schemas.microsoft.com/office/drawing/2010/main" xmlns="" w="9525">
                     <a:solidFill>
                       <a:srgbClr val="000000"/>
                     </a:solidFill>
@@ -10252,7 +10252,7 @@
               </a:ln>
               <a:extLst>
                 <a:ext uri="{91240B29-F687-4f45-9708-019B960494DF}">
-                  <a14:hiddenLine xmlns="" xmlns:a14="http://schemas.microsoft.com/office/drawing/2010/main" w="9525">
+                  <a14:hiddenLine xmlns:a14="http://schemas.microsoft.com/office/drawing/2010/main" xmlns="" w="9525">
                     <a:solidFill>
                       <a:srgbClr val="000000"/>
                     </a:solidFill>
@@ -10286,7 +10286,7 @@
               </a:ln>
               <a:extLst>
                 <a:ext uri="{91240B29-F687-4f45-9708-019B960494DF}">
-                  <a14:hiddenLine xmlns="" xmlns:a14="http://schemas.microsoft.com/office/drawing/2010/main" w="9525">
+                  <a14:hiddenLine xmlns:a14="http://schemas.microsoft.com/office/drawing/2010/main" xmlns="" w="9525">
                     <a:solidFill>
                       <a:srgbClr val="000000"/>
                     </a:solidFill>
@@ -10351,7 +10351,7 @@
               </a:ln>
               <a:extLst>
                 <a:ext uri="{91240B29-F687-4f45-9708-019B960494DF}">
-                  <a14:hiddenLine xmlns="" xmlns:a14="http://schemas.microsoft.com/office/drawing/2010/main" w="9525">
+                  <a14:hiddenLine xmlns:a14="http://schemas.microsoft.com/office/drawing/2010/main" xmlns="" w="9525">
                     <a:solidFill>
                       <a:srgbClr val="000000"/>
                     </a:solidFill>
@@ -10441,7 +10441,7 @@
               </a:ln>
               <a:extLst>
                 <a:ext uri="{91240B29-F687-4f45-9708-019B960494DF}">
-                  <a14:hiddenLine xmlns="" xmlns:a14="http://schemas.microsoft.com/office/drawing/2010/main" w="9525">
+                  <a14:hiddenLine xmlns:a14="http://schemas.microsoft.com/office/drawing/2010/main" xmlns="" w="9525">
                     <a:solidFill>
                       <a:srgbClr val="000000"/>
                     </a:solidFill>
@@ -10503,7 +10503,7 @@
               </a:ln>
               <a:extLst>
                 <a:ext uri="{91240B29-F687-4f45-9708-019B960494DF}">
-                  <a14:hiddenLine xmlns="" xmlns:a14="http://schemas.microsoft.com/office/drawing/2010/main" w="9525">
+                  <a14:hiddenLine xmlns:a14="http://schemas.microsoft.com/office/drawing/2010/main" xmlns="" w="9525">
                     <a:solidFill>
                       <a:srgbClr val="000000"/>
                     </a:solidFill>
@@ -10593,7 +10593,7 @@
               </a:ln>
               <a:extLst>
                 <a:ext uri="{91240B29-F687-4f45-9708-019B960494DF}">
-                  <a14:hiddenLine xmlns="" xmlns:a14="http://schemas.microsoft.com/office/drawing/2010/main" w="9525">
+                  <a14:hiddenLine xmlns:a14="http://schemas.microsoft.com/office/drawing/2010/main" xmlns="" w="9525">
                     <a:solidFill>
                       <a:srgbClr val="000000"/>
                     </a:solidFill>
@@ -10658,7 +10658,7 @@
               </a:ln>
               <a:extLst>
                 <a:ext uri="{91240B29-F687-4f45-9708-019B960494DF}">
-                  <a14:hiddenLine xmlns="" xmlns:a14="http://schemas.microsoft.com/office/drawing/2010/main" w="9525">
+                  <a14:hiddenLine xmlns:a14="http://schemas.microsoft.com/office/drawing/2010/main" xmlns="" w="9525">
                     <a:solidFill>
                       <a:srgbClr val="000000"/>
                     </a:solidFill>
@@ -10720,7 +10720,7 @@
               </a:ln>
               <a:extLst>
                 <a:ext uri="{91240B29-F687-4f45-9708-019B960494DF}">
-                  <a14:hiddenLine xmlns="" xmlns:a14="http://schemas.microsoft.com/office/drawing/2010/main" w="9525">
+                  <a14:hiddenLine xmlns:a14="http://schemas.microsoft.com/office/drawing/2010/main" xmlns="" w="9525">
                     <a:solidFill>
                       <a:srgbClr val="000000"/>
                     </a:solidFill>
@@ -10810,7 +10810,7 @@
               </a:ln>
               <a:extLst>
                 <a:ext uri="{91240B29-F687-4f45-9708-019B960494DF}">
-                  <a14:hiddenLine xmlns="" xmlns:a14="http://schemas.microsoft.com/office/drawing/2010/main" w="9525">
+                  <a14:hiddenLine xmlns:a14="http://schemas.microsoft.com/office/drawing/2010/main" xmlns="" w="9525">
                     <a:solidFill>
                       <a:srgbClr val="000000"/>
                     </a:solidFill>
@@ -10900,7 +10900,7 @@
               </a:ln>
               <a:extLst>
                 <a:ext uri="{91240B29-F687-4f45-9708-019B960494DF}">
-                  <a14:hiddenLine xmlns="" xmlns:a14="http://schemas.microsoft.com/office/drawing/2010/main" w="9525">
+                  <a14:hiddenLine xmlns:a14="http://schemas.microsoft.com/office/drawing/2010/main" xmlns="" w="9525">
                     <a:solidFill>
                       <a:srgbClr val="000000"/>
                     </a:solidFill>
@@ -10965,7 +10965,7 @@
               </a:ln>
               <a:extLst>
                 <a:ext uri="{91240B29-F687-4f45-9708-019B960494DF}">
-                  <a14:hiddenLine xmlns="" xmlns:a14="http://schemas.microsoft.com/office/drawing/2010/main" w="9525">
+                  <a14:hiddenLine xmlns:a14="http://schemas.microsoft.com/office/drawing/2010/main" xmlns="" w="9525">
                     <a:solidFill>
                       <a:srgbClr val="000000"/>
                     </a:solidFill>
@@ -11085,7 +11085,7 @@
               </a:ln>
               <a:extLst>
                 <a:ext uri="{91240B29-F687-4f45-9708-019B960494DF}">
-                  <a14:hiddenLine xmlns="" xmlns:a14="http://schemas.microsoft.com/office/drawing/2010/main" w="9525">
+                  <a14:hiddenLine xmlns:a14="http://schemas.microsoft.com/office/drawing/2010/main" xmlns="" w="9525">
                     <a:solidFill>
                       <a:srgbClr val="000000"/>
                     </a:solidFill>
@@ -11183,7 +11183,7 @@
               </a:ln>
               <a:extLst>
                 <a:ext uri="{91240B29-F687-4f45-9708-019B960494DF}">
-                  <a14:hiddenLine xmlns="" xmlns:a14="http://schemas.microsoft.com/office/drawing/2010/main" w="9525">
+                  <a14:hiddenLine xmlns:a14="http://schemas.microsoft.com/office/drawing/2010/main" xmlns="" w="9525">
                     <a:solidFill>
                       <a:srgbClr val="000000"/>
                     </a:solidFill>
@@ -11298,7 +11298,7 @@
               </a:ln>
               <a:extLst>
                 <a:ext uri="{91240B29-F687-4f45-9708-019B960494DF}">
-                  <a14:hiddenLine xmlns="" xmlns:a14="http://schemas.microsoft.com/office/drawing/2010/main" w="9525">
+                  <a14:hiddenLine xmlns:a14="http://schemas.microsoft.com/office/drawing/2010/main" xmlns="" w="9525">
                     <a:solidFill>
                       <a:srgbClr val="000000"/>
                     </a:solidFill>
@@ -11388,7 +11388,7 @@
               </a:ln>
               <a:extLst>
                 <a:ext uri="{91240B29-F687-4f45-9708-019B960494DF}">
-                  <a14:hiddenLine xmlns="" xmlns:a14="http://schemas.microsoft.com/office/drawing/2010/main" w="9525">
+                  <a14:hiddenLine xmlns:a14="http://schemas.microsoft.com/office/drawing/2010/main" xmlns="" w="9525">
                     <a:solidFill>
                       <a:srgbClr val="000000"/>
                     </a:solidFill>
@@ -11453,7 +11453,7 @@
               </a:ln>
               <a:extLst>
                 <a:ext uri="{91240B29-F687-4f45-9708-019B960494DF}">
-                  <a14:hiddenLine xmlns="" xmlns:a14="http://schemas.microsoft.com/office/drawing/2010/main" w="9525">
+                  <a14:hiddenLine xmlns:a14="http://schemas.microsoft.com/office/drawing/2010/main" xmlns="" w="9525">
                     <a:solidFill>
                       <a:srgbClr val="000000"/>
                     </a:solidFill>
@@ -11543,7 +11543,7 @@
               </a:ln>
               <a:extLst>
                 <a:ext uri="{91240B29-F687-4f45-9708-019B960494DF}">
-                  <a14:hiddenLine xmlns="" xmlns:a14="http://schemas.microsoft.com/office/drawing/2010/main" w="9525">
+                  <a14:hiddenLine xmlns:a14="http://schemas.microsoft.com/office/drawing/2010/main" xmlns="" w="9525">
                     <a:solidFill>
                       <a:srgbClr val="000000"/>
                     </a:solidFill>
@@ -11611,7 +11611,7 @@
               </a:ln>
               <a:extLst>
                 <a:ext uri="{91240B29-F687-4f45-9708-019B960494DF}">
-                  <a14:hiddenLine xmlns="" xmlns:a14="http://schemas.microsoft.com/office/drawing/2010/main" w="9525">
+                  <a14:hiddenLine xmlns:a14="http://schemas.microsoft.com/office/drawing/2010/main" xmlns="" w="9525">
                     <a:solidFill>
                       <a:srgbClr val="000000"/>
                     </a:solidFill>
@@ -11701,7 +11701,7 @@
               </a:ln>
               <a:extLst>
                 <a:ext uri="{91240B29-F687-4f45-9708-019B960494DF}">
-                  <a14:hiddenLine xmlns="" xmlns:a14="http://schemas.microsoft.com/office/drawing/2010/main" w="9525">
+                  <a14:hiddenLine xmlns:a14="http://schemas.microsoft.com/office/drawing/2010/main" xmlns="" w="9525">
                     <a:solidFill>
                       <a:srgbClr val="000000"/>
                     </a:solidFill>
@@ -11769,7 +11769,7 @@
               </a:ln>
               <a:extLst>
                 <a:ext uri="{91240B29-F687-4f45-9708-019B960494DF}">
-                  <a14:hiddenLine xmlns="" xmlns:a14="http://schemas.microsoft.com/office/drawing/2010/main" w="9525">
+                  <a14:hiddenLine xmlns:a14="http://schemas.microsoft.com/office/drawing/2010/main" xmlns="" w="9525">
                     <a:solidFill>
                       <a:srgbClr val="000000"/>
                     </a:solidFill>
@@ -11859,7 +11859,7 @@
               </a:ln>
               <a:extLst>
                 <a:ext uri="{91240B29-F687-4f45-9708-019B960494DF}">
-                  <a14:hiddenLine xmlns="" xmlns:a14="http://schemas.microsoft.com/office/drawing/2010/main" w="9525">
+                  <a14:hiddenLine xmlns:a14="http://schemas.microsoft.com/office/drawing/2010/main" xmlns="" w="9525">
                     <a:solidFill>
                       <a:srgbClr val="000000"/>
                     </a:solidFill>
@@ -11893,7 +11893,7 @@
               </a:ln>
               <a:extLst>
                 <a:ext uri="{91240B29-F687-4f45-9708-019B960494DF}">
-                  <a14:hiddenLine xmlns="" xmlns:a14="http://schemas.microsoft.com/office/drawing/2010/main" w="9525">
+                  <a14:hiddenLine xmlns:a14="http://schemas.microsoft.com/office/drawing/2010/main" xmlns="" w="9525">
                     <a:solidFill>
                       <a:srgbClr val="000000"/>
                     </a:solidFill>
@@ -12033,7 +12033,7 @@
           <a:p>
             <a:fld id="{6D026B78-2648-4B9F-83F5-DFFF490A7A0F}" type="datetimeFigureOut">
               <a:rPr lang="vi-VN" smtClean="0"/>
-              <a:t>30/10/2024</a:t>
+              <a:t>11/12/2024</a:t>
             </a:fld>
             <a:endParaRPr lang="vi-VN"/>
           </a:p>
@@ -12623,58 +12623,88 @@
             </a:pPr>
             <a:r>
               <a:rPr lang="en-US" sz="3200" b="1" dirty="0"/>
-              <a:t>2.  Quick Sort</a:t>
-            </a:r>
+              <a:t>2. </a:t>
+            </a:r>
+            <a:r>
+              <a:rPr lang="vi-VN" sz="2800" b="1" dirty="0"/>
+              <a:t>Selection Sort</a:t>
+            </a:r>
+          </a:p>
+          <a:p>
+            <a:pPr marL="0" indent="0" algn="ctr">
+              <a:buNone/>
+            </a:pPr>
+            <a:endParaRPr lang="vi-VN" sz="2800" b="1" dirty="0"/>
+          </a:p>
+          <a:p>
+            <a:r>
+              <a:rPr lang="en-US" b="1" dirty="0">
+                <a:latin typeface="Times New Roman" panose="02020603050405020304" pitchFamily="18" charset="0"/>
+                <a:cs typeface="Times New Roman" panose="02020603050405020304" pitchFamily="18" charset="0"/>
+              </a:rPr>
+              <a:t>Selection Sort</a:t>
+            </a:r>
+            <a:r>
+              <a:rPr lang="en-US" dirty="0">
+                <a:latin typeface="Times New Roman" panose="02020603050405020304" pitchFamily="18" charset="0"/>
+                <a:cs typeface="Times New Roman" panose="02020603050405020304" pitchFamily="18" charset="0"/>
+              </a:rPr>
+              <a:t> is a comparison-based sorting algorithm. It sorts an array by repeatedly selecting the </a:t>
+            </a:r>
+            <a:r>
+              <a:rPr lang="en-US" b="1" dirty="0">
+                <a:latin typeface="Times New Roman" panose="02020603050405020304" pitchFamily="18" charset="0"/>
+                <a:cs typeface="Times New Roman" panose="02020603050405020304" pitchFamily="18" charset="0"/>
+              </a:rPr>
+              <a:t>smallest (or largest)</a:t>
+            </a:r>
+            <a:r>
+              <a:rPr lang="en-US" dirty="0">
+                <a:latin typeface="Times New Roman" panose="02020603050405020304" pitchFamily="18" charset="0"/>
+                <a:cs typeface="Times New Roman" panose="02020603050405020304" pitchFamily="18" charset="0"/>
+              </a:rPr>
+              <a:t> element from the unsorted portion and swapping it with the first unsorted element. This process continues until the entire array is sorted.</a:t>
+            </a:r>
+            <a:endParaRPr lang="vi-VN" dirty="0">
+              <a:latin typeface="Times New Roman" panose="02020603050405020304" pitchFamily="18" charset="0"/>
+              <a:cs typeface="Times New Roman" panose="02020603050405020304" pitchFamily="18" charset="0"/>
+            </a:endParaRPr>
+          </a:p>
+          <a:p>
+            <a:r>
+              <a:rPr lang="vi-VN" b="1" dirty="0">
+                <a:latin typeface="Times New Roman" panose="02020603050405020304" pitchFamily="18" charset="0"/>
+                <a:cs typeface="Times New Roman" panose="02020603050405020304" pitchFamily="18" charset="0"/>
+              </a:rPr>
+              <a:t>Time Complexity: O(n</a:t>
+            </a:r>
+            <a:r>
+              <a:rPr lang="vi-VN" b="1" baseline="30000" dirty="0">
+                <a:latin typeface="Times New Roman" panose="02020603050405020304" pitchFamily="18" charset="0"/>
+                <a:cs typeface="Times New Roman" panose="02020603050405020304" pitchFamily="18" charset="0"/>
+              </a:rPr>
+              <a:t>2</a:t>
+            </a:r>
+            <a:r>
+              <a:rPr lang="vi-VN" b="1" dirty="0">
+                <a:latin typeface="Times New Roman" panose="02020603050405020304" pitchFamily="18" charset="0"/>
+                <a:cs typeface="Times New Roman" panose="02020603050405020304" pitchFamily="18" charset="0"/>
+              </a:rPr>
+              <a:t>)</a:t>
+            </a:r>
+            <a:r>
+              <a:rPr lang="vi-VN" dirty="0">
+                <a:latin typeface="Times New Roman" panose="02020603050405020304" pitchFamily="18" charset="0"/>
+                <a:cs typeface="Times New Roman" panose="02020603050405020304" pitchFamily="18" charset="0"/>
+              </a:rPr>
+              <a:t> </a:t>
+            </a:r>
+          </a:p>
+          <a:p>
+            <a:endParaRPr lang="vi-VN" sz="3200" b="1" dirty="0"/>
           </a:p>
         </p:txBody>
       </p:sp>
-      <p:pic>
-        <p:nvPicPr>
-          <p:cNvPr id="2050" name="Picture 2" descr="Quick Sort in Data Structure - TechVidvan">
-            <a:extLst>
-              <a:ext uri="{FF2B5EF4-FFF2-40B4-BE49-F238E27FC236}">
-                <a16:creationId xmlns:a16="http://schemas.microsoft.com/office/drawing/2014/main" id="{56DA2588-FFC4-4F3C-8044-47172F3E05D0}"/>
-              </a:ext>
-            </a:extLst>
-          </p:cNvPr>
-          <p:cNvPicPr>
-            <a:picLocks noChangeAspect="1" noChangeArrowheads="1"/>
-          </p:cNvPicPr>
-          <p:nvPr/>
-        </p:nvPicPr>
-        <p:blipFill>
-          <a:blip r:embed="rId2">
-            <a:extLst>
-              <a:ext uri="{28A0092B-C50C-407E-A947-70E740481C1C}">
-                <a14:useLocalDpi xmlns:a14="http://schemas.microsoft.com/office/drawing/2010/main" val="0"/>
-              </a:ext>
-            </a:extLst>
-          </a:blip>
-          <a:srcRect/>
-          <a:stretch>
-            <a:fillRect/>
-          </a:stretch>
-        </p:blipFill>
-        <p:spPr bwMode="auto">
-          <a:xfrm>
-            <a:off x="3470787" y="2428671"/>
-            <a:ext cx="5737959" cy="2988904"/>
-          </a:xfrm>
-          <a:prstGeom prst="rect">
-            <a:avLst/>
-          </a:prstGeom>
-          <a:noFill/>
-          <a:extLst>
-            <a:ext uri="{909E8E84-426E-40DD-AFC4-6F175D3DCCD1}">
-              <a14:hiddenFill xmlns:a14="http://schemas.microsoft.com/office/drawing/2010/main">
-                <a:solidFill>
-                  <a:srgbClr val="FFFFFF"/>
-                </a:solidFill>
-              </a14:hiddenFill>
-            </a:ext>
-          </a:extLst>
-        </p:spPr>
-      </p:pic>
     </p:spTree>
     <p:extLst>
       <p:ext uri="{BB962C8B-B14F-4D97-AF65-F5344CB8AC3E}">
@@ -12749,62 +12779,35 @@
         <p:spPr/>
         <p:txBody>
           <a:bodyPr>
-            <a:normAutofit lnSpcReduction="10000"/>
+            <a:normAutofit/>
           </a:bodyPr>
           <a:lstStyle/>
           <a:p>
             <a:r>
-              <a:rPr lang="en-US" dirty="0"/>
-              <a:t>Quick Sort is an efficient sorting algorithm that uses the Divide and Conquer approach. It selects a 'pivot' element and partitions the array into subarrays based on whether elements are less than or greater than the pivot.</a:t>
-            </a:r>
-          </a:p>
-          <a:p>
-            <a:r>
               <a:rPr lang="en-US" b="1" dirty="0"/>
               <a:t>Steps:</a:t>
             </a:r>
             <a:endParaRPr lang="en-US" dirty="0"/>
           </a:p>
           <a:p>
-            <a:pPr lvl="1">
-              <a:buFont typeface="Courier New" panose="02070309020205020404" pitchFamily="49" charset="0"/>
-              <a:buChar char="o"/>
-            </a:pPr>
-            <a:r>
-              <a:rPr lang="en-US" b="1" dirty="0"/>
-              <a:t>Choose a Pivot:</a:t>
-            </a:r>
-            <a:r>
-              <a:rPr lang="en-US" dirty="0"/>
-              <a:t> Select an element as the pivot.</a:t>
-            </a:r>
-          </a:p>
-          <a:p>
-            <a:pPr lvl="1">
-              <a:buFont typeface="Courier New" panose="02070309020205020404" pitchFamily="49" charset="0"/>
-              <a:buChar char="o"/>
-            </a:pPr>
-            <a:r>
-              <a:rPr lang="en-US" b="1" dirty="0"/>
-              <a:t>Partition:</a:t>
-            </a:r>
-            <a:r>
-              <a:rPr lang="en-US" dirty="0"/>
-              <a:t> Rearrange the array so that elements less than the pivot are on the left, and those greater are on the right.</a:t>
-            </a:r>
-          </a:p>
-          <a:p>
-            <a:pPr lvl="1">
-              <a:buFont typeface="Courier New" panose="02070309020205020404" pitchFamily="49" charset="0"/>
-              <a:buChar char="o"/>
-            </a:pPr>
-            <a:r>
-              <a:rPr lang="en-US" b="1" dirty="0"/>
-              <a:t>Recursively Sort:</a:t>
-            </a:r>
-            <a:r>
-              <a:rPr lang="en-US" dirty="0"/>
-              <a:t> Apply the same process to the left and right subarrays</a:t>
+            <a:pPr lvl="1" fontAlgn="base"/>
+            <a:r>
+              <a:rPr lang="en-US" sz="2400" dirty="0"/>
+              <a:t>First we find the smallest element and swap it with the first element. This way we get the smallest element at its correct position.</a:t>
+            </a:r>
+          </a:p>
+          <a:p>
+            <a:pPr lvl="1" fontAlgn="base"/>
+            <a:r>
+              <a:rPr lang="en-US" sz="2400" dirty="0"/>
+              <a:t>Then we find the smallest among remaining elements (or second smallest) and swap it with the second element.</a:t>
+            </a:r>
+          </a:p>
+          <a:p>
+            <a:pPr lvl="1" fontAlgn="base"/>
+            <a:r>
+              <a:rPr lang="en-US" sz="2400" dirty="0"/>
+              <a:t>We keep doing this until we get all elements moved to correct position.</a:t>
             </a:r>
           </a:p>
           <a:p>
@@ -14679,8 +14682,8 @@
               <a:t> and </a:t>
             </a:r>
             <a:r>
-              <a:rPr lang="en-US" b="1" dirty="0"/>
-              <a:t>Quick Sort</a:t>
+              <a:rPr lang="vi-VN" sz="2000" b="1" dirty="0"/>
+              <a:t>Selection Sort</a:t>
             </a:r>
             <a:r>
               <a:rPr lang="en-US" dirty="0"/>
